--- a/presentation/slides.pptx
+++ b/presentation/slides.pptx
@@ -8,9 +8,14 @@
     <p:sldId id="256" r:id="rId2"/>
     <p:sldId id="257" r:id="rId3"/>
     <p:sldId id="258" r:id="rId4"/>
-    <p:sldId id="259" r:id="rId5"/>
-    <p:sldId id="260" r:id="rId6"/>
-    <p:sldId id="261" r:id="rId7"/>
+    <p:sldId id="262" r:id="rId5"/>
+    <p:sldId id="263" r:id="rId6"/>
+    <p:sldId id="259" r:id="rId7"/>
+    <p:sldId id="260" r:id="rId8"/>
+    <p:sldId id="261" r:id="rId9"/>
+    <p:sldId id="264" r:id="rId10"/>
+    <p:sldId id="265" r:id="rId11"/>
+    <p:sldId id="266" r:id="rId12"/>
   </p:sldIdLst>
   <p:sldSz cx="12192000" cy="6858000"/>
   <p:notesSz cx="6858000" cy="9144000"/>
@@ -109,6 +114,11 @@
       </a:defRPr>
     </a:lvl9pPr>
   </p:defaultTextStyle>
+  <p:extLst>
+    <p:ext uri="{EFAFB233-063F-42B5-8137-9DF3F51BA10A}">
+      <p15:sldGuideLst xmlns:p15="http://schemas.microsoft.com/office/powerpoint/2012/main"/>
+    </p:ext>
+  </p:extLst>
 </p:presentation>
 </file>
 
@@ -259,7 +269,7 @@
           <a:p>
             <a:fld id="{03CC0752-EBB9-4081-BBE3-6D00F6810C36}" type="datetimeFigureOut">
               <a:rPr lang="en-GB" smtClean="0"/>
-              <a:t>20/03/2024</a:t>
+              <a:t>22/03/2024</a:t>
             </a:fld>
             <a:endParaRPr lang="en-GB"/>
           </a:p>
@@ -457,7 +467,7 @@
           <a:p>
             <a:fld id="{03CC0752-EBB9-4081-BBE3-6D00F6810C36}" type="datetimeFigureOut">
               <a:rPr lang="en-GB" smtClean="0"/>
-              <a:t>20/03/2024</a:t>
+              <a:t>22/03/2024</a:t>
             </a:fld>
             <a:endParaRPr lang="en-GB"/>
           </a:p>
@@ -665,7 +675,7 @@
           <a:p>
             <a:fld id="{03CC0752-EBB9-4081-BBE3-6D00F6810C36}" type="datetimeFigureOut">
               <a:rPr lang="en-GB" smtClean="0"/>
-              <a:t>20/03/2024</a:t>
+              <a:t>22/03/2024</a:t>
             </a:fld>
             <a:endParaRPr lang="en-GB"/>
           </a:p>
@@ -863,7 +873,7 @@
           <a:p>
             <a:fld id="{03CC0752-EBB9-4081-BBE3-6D00F6810C36}" type="datetimeFigureOut">
               <a:rPr lang="en-GB" smtClean="0"/>
-              <a:t>20/03/2024</a:t>
+              <a:t>22/03/2024</a:t>
             </a:fld>
             <a:endParaRPr lang="en-GB"/>
           </a:p>
@@ -1138,7 +1148,7 @@
           <a:p>
             <a:fld id="{03CC0752-EBB9-4081-BBE3-6D00F6810C36}" type="datetimeFigureOut">
               <a:rPr lang="en-GB" smtClean="0"/>
-              <a:t>20/03/2024</a:t>
+              <a:t>22/03/2024</a:t>
             </a:fld>
             <a:endParaRPr lang="en-GB"/>
           </a:p>
@@ -1403,7 +1413,7 @@
           <a:p>
             <a:fld id="{03CC0752-EBB9-4081-BBE3-6D00F6810C36}" type="datetimeFigureOut">
               <a:rPr lang="en-GB" smtClean="0"/>
-              <a:t>20/03/2024</a:t>
+              <a:t>22/03/2024</a:t>
             </a:fld>
             <a:endParaRPr lang="en-GB"/>
           </a:p>
@@ -1815,7 +1825,7 @@
           <a:p>
             <a:fld id="{03CC0752-EBB9-4081-BBE3-6D00F6810C36}" type="datetimeFigureOut">
               <a:rPr lang="en-GB" smtClean="0"/>
-              <a:t>20/03/2024</a:t>
+              <a:t>22/03/2024</a:t>
             </a:fld>
             <a:endParaRPr lang="en-GB"/>
           </a:p>
@@ -1956,7 +1966,7 @@
           <a:p>
             <a:fld id="{03CC0752-EBB9-4081-BBE3-6D00F6810C36}" type="datetimeFigureOut">
               <a:rPr lang="en-GB" smtClean="0"/>
-              <a:t>20/03/2024</a:t>
+              <a:t>22/03/2024</a:t>
             </a:fld>
             <a:endParaRPr lang="en-GB"/>
           </a:p>
@@ -2069,7 +2079,7 @@
           <a:p>
             <a:fld id="{03CC0752-EBB9-4081-BBE3-6D00F6810C36}" type="datetimeFigureOut">
               <a:rPr lang="en-GB" smtClean="0"/>
-              <a:t>20/03/2024</a:t>
+              <a:t>22/03/2024</a:t>
             </a:fld>
             <a:endParaRPr lang="en-GB"/>
           </a:p>
@@ -2380,7 +2390,7 @@
           <a:p>
             <a:fld id="{03CC0752-EBB9-4081-BBE3-6D00F6810C36}" type="datetimeFigureOut">
               <a:rPr lang="en-GB" smtClean="0"/>
-              <a:t>20/03/2024</a:t>
+              <a:t>22/03/2024</a:t>
             </a:fld>
             <a:endParaRPr lang="en-GB"/>
           </a:p>
@@ -2668,7 +2678,7 @@
           <a:p>
             <a:fld id="{03CC0752-EBB9-4081-BBE3-6D00F6810C36}" type="datetimeFigureOut">
               <a:rPr lang="en-GB" smtClean="0"/>
-              <a:t>20/03/2024</a:t>
+              <a:t>22/03/2024</a:t>
             </a:fld>
             <a:endParaRPr lang="en-GB"/>
           </a:p>
@@ -2909,7 +2919,7 @@
           <a:p>
             <a:fld id="{03CC0752-EBB9-4081-BBE3-6D00F6810C36}" type="datetimeFigureOut">
               <a:rPr lang="en-GB" smtClean="0"/>
-              <a:t>20/03/2024</a:t>
+              <a:t>22/03/2024</a:t>
             </a:fld>
             <a:endParaRPr lang="en-GB"/>
           </a:p>
@@ -3771,6 +3781,1044 @@
 </p:sld>
 </file>
 
+<file path=ppt/slides/slide10.xml><?xml version="1.0" encoding="utf-8"?>
+<p:sld xmlns:a="http://schemas.openxmlformats.org/drawingml/2006/main" xmlns:r="http://schemas.openxmlformats.org/officeDocument/2006/relationships" xmlns:p="http://schemas.openxmlformats.org/presentationml/2006/main">
+  <p:cSld>
+    <p:spTree>
+      <p:nvGrpSpPr>
+        <p:cNvPr id="1" name=""/>
+        <p:cNvGrpSpPr/>
+        <p:nvPr/>
+      </p:nvGrpSpPr>
+      <p:grpSpPr>
+        <a:xfrm>
+          <a:off x="0" y="0"/>
+          <a:ext cx="0" cy="0"/>
+          <a:chOff x="0" y="0"/>
+          <a:chExt cx="0" cy="0"/>
+        </a:xfrm>
+      </p:grpSpPr>
+      <p:sp>
+        <p:nvSpPr>
+          <p:cNvPr id="2" name="Title 1">
+            <a:extLst>
+              <a:ext uri="{FF2B5EF4-FFF2-40B4-BE49-F238E27FC236}">
+                <a16:creationId xmlns:a16="http://schemas.microsoft.com/office/drawing/2014/main" id="{BF9E1784-A472-810C-7F59-436DDC1D8C4B}"/>
+              </a:ext>
+            </a:extLst>
+          </p:cNvPr>
+          <p:cNvSpPr>
+            <a:spLocks noGrp="1"/>
+          </p:cNvSpPr>
+          <p:nvPr>
+            <p:ph type="ctrTitle"/>
+          </p:nvPr>
+        </p:nvSpPr>
+        <p:spPr>
+          <a:xfrm>
+            <a:off x="1524000" y="126683"/>
+            <a:ext cx="9144000" cy="1092517"/>
+          </a:xfrm>
+        </p:spPr>
+        <p:txBody>
+          <a:bodyPr>
+            <a:normAutofit/>
+          </a:bodyPr>
+          <a:lstStyle/>
+          <a:p>
+            <a:r>
+              <a:rPr lang="en-US" dirty="0"/>
+              <a:t>Evaluation</a:t>
+            </a:r>
+            <a:endParaRPr lang="en-GB" dirty="0"/>
+          </a:p>
+        </p:txBody>
+      </p:sp>
+      <p:sp>
+        <p:nvSpPr>
+          <p:cNvPr id="3" name="Subtitle 2">
+            <a:extLst>
+              <a:ext uri="{FF2B5EF4-FFF2-40B4-BE49-F238E27FC236}">
+                <a16:creationId xmlns:a16="http://schemas.microsoft.com/office/drawing/2014/main" id="{52B3E6A0-E3CA-1AA5-09C6-D89B2026A158}"/>
+              </a:ext>
+            </a:extLst>
+          </p:cNvPr>
+          <p:cNvSpPr>
+            <a:spLocks noGrp="1"/>
+          </p:cNvSpPr>
+          <p:nvPr>
+            <p:ph type="subTitle" idx="1"/>
+          </p:nvPr>
+        </p:nvSpPr>
+        <p:spPr>
+          <a:xfrm>
+            <a:off x="1524000" y="1666243"/>
+            <a:ext cx="9144000" cy="4307836"/>
+          </a:xfrm>
+        </p:spPr>
+        <p:txBody>
+          <a:bodyPr>
+            <a:normAutofit/>
+          </a:bodyPr>
+          <a:lstStyle/>
+          <a:p>
+            <a:pPr marL="342900" indent="-342900" algn="l">
+              <a:buFont typeface="Arial" panose="020B0604020202020204" pitchFamily="34" charset="0"/>
+              <a:buChar char="•"/>
+            </a:pPr>
+            <a:r>
+              <a:rPr lang="en-US" sz="3200" b="1" dirty="0"/>
+              <a:t>RQ3: </a:t>
+            </a:r>
+            <a:r>
+              <a:rPr lang="en-US" sz="3200" dirty="0"/>
+              <a:t>Can the systems be combined to create a better prediction system?</a:t>
+            </a:r>
+          </a:p>
+        </p:txBody>
+      </p:sp>
+      <p:cxnSp>
+        <p:nvCxnSpPr>
+          <p:cNvPr id="5" name="Straight Connector 4">
+            <a:extLst>
+              <a:ext uri="{FF2B5EF4-FFF2-40B4-BE49-F238E27FC236}">
+                <a16:creationId xmlns:a16="http://schemas.microsoft.com/office/drawing/2014/main" id="{B9F3328E-C3CD-7114-A1B2-6B05CB1D79B2}"/>
+              </a:ext>
+            </a:extLst>
+          </p:cNvPr>
+          <p:cNvCxnSpPr>
+            <a:cxnSpLocks/>
+          </p:cNvCxnSpPr>
+          <p:nvPr/>
+        </p:nvCxnSpPr>
+        <p:spPr>
+          <a:xfrm>
+            <a:off x="335280" y="1336358"/>
+            <a:ext cx="11856720" cy="0"/>
+          </a:xfrm>
+          <a:prstGeom prst="line">
+            <a:avLst/>
+          </a:prstGeom>
+        </p:spPr>
+        <p:style>
+          <a:lnRef idx="2">
+            <a:schemeClr val="accent1"/>
+          </a:lnRef>
+          <a:fillRef idx="0">
+            <a:schemeClr val="accent1"/>
+          </a:fillRef>
+          <a:effectRef idx="1">
+            <a:schemeClr val="accent1"/>
+          </a:effectRef>
+          <a:fontRef idx="minor">
+            <a:schemeClr val="tx1"/>
+          </a:fontRef>
+        </p:style>
+      </p:cxnSp>
+      <p:cxnSp>
+        <p:nvCxnSpPr>
+          <p:cNvPr id="7" name="Straight Connector 6">
+            <a:extLst>
+              <a:ext uri="{FF2B5EF4-FFF2-40B4-BE49-F238E27FC236}">
+                <a16:creationId xmlns:a16="http://schemas.microsoft.com/office/drawing/2014/main" id="{2B2683F1-176E-8CA3-DF22-91A9E0B8C2B6}"/>
+              </a:ext>
+            </a:extLst>
+          </p:cNvPr>
+          <p:cNvCxnSpPr/>
+          <p:nvPr/>
+        </p:nvCxnSpPr>
+        <p:spPr>
+          <a:xfrm flipV="1">
+            <a:off x="-121920" y="-152400"/>
+            <a:ext cx="1645920" cy="2072640"/>
+          </a:xfrm>
+          <a:prstGeom prst="line">
+            <a:avLst/>
+          </a:prstGeom>
+        </p:spPr>
+        <p:style>
+          <a:lnRef idx="2">
+            <a:schemeClr val="accent1"/>
+          </a:lnRef>
+          <a:fillRef idx="0">
+            <a:schemeClr val="accent1"/>
+          </a:fillRef>
+          <a:effectRef idx="1">
+            <a:schemeClr val="accent1"/>
+          </a:effectRef>
+          <a:fontRef idx="minor">
+            <a:schemeClr val="tx1"/>
+          </a:fontRef>
+        </p:style>
+      </p:cxnSp>
+      <p:cxnSp>
+        <p:nvCxnSpPr>
+          <p:cNvPr id="9" name="Straight Connector 8">
+            <a:extLst>
+              <a:ext uri="{FF2B5EF4-FFF2-40B4-BE49-F238E27FC236}">
+                <a16:creationId xmlns:a16="http://schemas.microsoft.com/office/drawing/2014/main" id="{18DA7C77-4739-CD3F-0EC8-89FD19991AF0}"/>
+              </a:ext>
+            </a:extLst>
+          </p:cNvPr>
+          <p:cNvCxnSpPr/>
+          <p:nvPr/>
+        </p:nvCxnSpPr>
+        <p:spPr>
+          <a:xfrm flipV="1">
+            <a:off x="-294640" y="-152400"/>
+            <a:ext cx="1351280" cy="1656080"/>
+          </a:xfrm>
+          <a:prstGeom prst="line">
+            <a:avLst/>
+          </a:prstGeom>
+        </p:spPr>
+        <p:style>
+          <a:lnRef idx="2">
+            <a:schemeClr val="accent1"/>
+          </a:lnRef>
+          <a:fillRef idx="0">
+            <a:schemeClr val="accent1"/>
+          </a:fillRef>
+          <a:effectRef idx="1">
+            <a:schemeClr val="accent1"/>
+          </a:effectRef>
+          <a:fontRef idx="minor">
+            <a:schemeClr val="tx1"/>
+          </a:fontRef>
+        </p:style>
+      </p:cxnSp>
+      <p:cxnSp>
+        <p:nvCxnSpPr>
+          <p:cNvPr id="11" name="Straight Connector 10">
+            <a:extLst>
+              <a:ext uri="{FF2B5EF4-FFF2-40B4-BE49-F238E27FC236}">
+                <a16:creationId xmlns:a16="http://schemas.microsoft.com/office/drawing/2014/main" id="{D799A568-C6B8-0DC3-10B8-ADE0DD52EF0E}"/>
+              </a:ext>
+            </a:extLst>
+          </p:cNvPr>
+          <p:cNvCxnSpPr/>
+          <p:nvPr/>
+        </p:nvCxnSpPr>
+        <p:spPr>
+          <a:xfrm flipV="1">
+            <a:off x="-193040" y="-152400"/>
+            <a:ext cx="812800" cy="955040"/>
+          </a:xfrm>
+          <a:prstGeom prst="line">
+            <a:avLst/>
+          </a:prstGeom>
+        </p:spPr>
+        <p:style>
+          <a:lnRef idx="2">
+            <a:schemeClr val="accent1"/>
+          </a:lnRef>
+          <a:fillRef idx="0">
+            <a:schemeClr val="accent1"/>
+          </a:fillRef>
+          <a:effectRef idx="1">
+            <a:schemeClr val="accent1"/>
+          </a:effectRef>
+          <a:fontRef idx="minor">
+            <a:schemeClr val="tx1"/>
+          </a:fontRef>
+        </p:style>
+      </p:cxnSp>
+      <p:grpSp>
+        <p:nvGrpSpPr>
+          <p:cNvPr id="4" name="Group 3">
+            <a:extLst>
+              <a:ext uri="{FF2B5EF4-FFF2-40B4-BE49-F238E27FC236}">
+                <a16:creationId xmlns:a16="http://schemas.microsoft.com/office/drawing/2014/main" id="{2DE1EA7E-96C6-6C8F-F8C9-67D51EBDBC2C}"/>
+              </a:ext>
+            </a:extLst>
+          </p:cNvPr>
+          <p:cNvGrpSpPr/>
+          <p:nvPr/>
+        </p:nvGrpSpPr>
+        <p:grpSpPr>
+          <a:xfrm>
+            <a:off x="10566400" y="4683760"/>
+            <a:ext cx="2032000" cy="2336796"/>
+            <a:chOff x="10566400" y="4683760"/>
+            <a:chExt cx="2032000" cy="2336796"/>
+          </a:xfrm>
+        </p:grpSpPr>
+        <p:sp>
+          <p:nvSpPr>
+            <p:cNvPr id="6" name="Rectangle 5">
+              <a:extLst>
+                <a:ext uri="{FF2B5EF4-FFF2-40B4-BE49-F238E27FC236}">
+                  <a16:creationId xmlns:a16="http://schemas.microsoft.com/office/drawing/2014/main" id="{2D71F413-4690-B03E-ADCE-DDC24C8B6D83}"/>
+                </a:ext>
+              </a:extLst>
+            </p:cNvPr>
+            <p:cNvSpPr/>
+            <p:nvPr/>
+          </p:nvSpPr>
+          <p:spPr>
+            <a:xfrm>
+              <a:off x="11308080" y="4683760"/>
+              <a:ext cx="1290320" cy="1564640"/>
+            </a:xfrm>
+            <a:prstGeom prst="rect">
+              <a:avLst/>
+            </a:prstGeom>
+            <a:solidFill>
+              <a:srgbClr val="048D94"/>
+            </a:solidFill>
+            <a:ln>
+              <a:noFill/>
+            </a:ln>
+          </p:spPr>
+          <p:style>
+            <a:lnRef idx="2">
+              <a:schemeClr val="accent1">
+                <a:shade val="15000"/>
+              </a:schemeClr>
+            </a:lnRef>
+            <a:fillRef idx="1">
+              <a:schemeClr val="accent1"/>
+            </a:fillRef>
+            <a:effectRef idx="0">
+              <a:schemeClr val="accent1"/>
+            </a:effectRef>
+            <a:fontRef idx="minor">
+              <a:schemeClr val="lt1"/>
+            </a:fontRef>
+          </p:style>
+          <p:txBody>
+            <a:bodyPr rtlCol="0" anchor="ctr"/>
+            <a:lstStyle/>
+            <a:p>
+              <a:pPr algn="ctr"/>
+              <a:endParaRPr lang="en-GB"/>
+            </a:p>
+          </p:txBody>
+        </p:sp>
+        <p:sp>
+          <p:nvSpPr>
+            <p:cNvPr id="8" name="Rectangle 7">
+              <a:extLst>
+                <a:ext uri="{FF2B5EF4-FFF2-40B4-BE49-F238E27FC236}">
+                  <a16:creationId xmlns:a16="http://schemas.microsoft.com/office/drawing/2014/main" id="{53461155-A503-9FDC-A2AE-94B9C79ED656}"/>
+                </a:ext>
+              </a:extLst>
+            </p:cNvPr>
+            <p:cNvSpPr/>
+            <p:nvPr/>
+          </p:nvSpPr>
+          <p:spPr>
+            <a:xfrm>
+              <a:off x="10566400" y="5537200"/>
+              <a:ext cx="1849120" cy="1483356"/>
+            </a:xfrm>
+            <a:prstGeom prst="rect">
+              <a:avLst/>
+            </a:prstGeom>
+            <a:solidFill>
+              <a:srgbClr val="156082"/>
+            </a:solidFill>
+            <a:ln>
+              <a:solidFill>
+                <a:schemeClr val="accent1"/>
+              </a:solidFill>
+            </a:ln>
+          </p:spPr>
+          <p:style>
+            <a:lnRef idx="2">
+              <a:schemeClr val="accent1">
+                <a:shade val="15000"/>
+              </a:schemeClr>
+            </a:lnRef>
+            <a:fillRef idx="1">
+              <a:schemeClr val="accent1"/>
+            </a:fillRef>
+            <a:effectRef idx="0">
+              <a:schemeClr val="accent1"/>
+            </a:effectRef>
+            <a:fontRef idx="minor">
+              <a:schemeClr val="lt1"/>
+            </a:fontRef>
+          </p:style>
+          <p:txBody>
+            <a:bodyPr rtlCol="0" anchor="ctr"/>
+            <a:lstStyle/>
+            <a:p>
+              <a:pPr algn="ctr"/>
+              <a:endParaRPr lang="en-GB"/>
+            </a:p>
+          </p:txBody>
+        </p:sp>
+        <p:sp>
+          <p:nvSpPr>
+            <p:cNvPr id="10" name="Rectangle 9">
+              <a:extLst>
+                <a:ext uri="{FF2B5EF4-FFF2-40B4-BE49-F238E27FC236}">
+                  <a16:creationId xmlns:a16="http://schemas.microsoft.com/office/drawing/2014/main" id="{5EFF85A9-8AAF-7B25-9DED-853DB22E5005}"/>
+                </a:ext>
+              </a:extLst>
+            </p:cNvPr>
+            <p:cNvSpPr/>
+            <p:nvPr/>
+          </p:nvSpPr>
+          <p:spPr>
+            <a:xfrm>
+              <a:off x="11074400" y="5313680"/>
+              <a:ext cx="548640" cy="711200"/>
+            </a:xfrm>
+            <a:prstGeom prst="rect">
+              <a:avLst/>
+            </a:prstGeom>
+            <a:solidFill>
+              <a:srgbClr val="12CFEE"/>
+            </a:solidFill>
+            <a:ln>
+              <a:noFill/>
+            </a:ln>
+          </p:spPr>
+          <p:style>
+            <a:lnRef idx="2">
+              <a:schemeClr val="accent1">
+                <a:shade val="15000"/>
+              </a:schemeClr>
+            </a:lnRef>
+            <a:fillRef idx="1">
+              <a:schemeClr val="accent1"/>
+            </a:fillRef>
+            <a:effectRef idx="0">
+              <a:schemeClr val="accent1"/>
+            </a:effectRef>
+            <a:fontRef idx="minor">
+              <a:schemeClr val="lt1"/>
+            </a:fontRef>
+          </p:style>
+          <p:txBody>
+            <a:bodyPr rtlCol="0" anchor="ctr"/>
+            <a:lstStyle/>
+            <a:p>
+              <a:pPr algn="ctr"/>
+              <a:endParaRPr lang="en-GB"/>
+            </a:p>
+          </p:txBody>
+        </p:sp>
+      </p:grpSp>
+      <p:pic>
+        <p:nvPicPr>
+          <p:cNvPr id="12" name="Picture 11" descr="A blue and black network&#10;&#10;Description automatically generated">
+            <a:extLst>
+              <a:ext uri="{FF2B5EF4-FFF2-40B4-BE49-F238E27FC236}">
+                <a16:creationId xmlns:a16="http://schemas.microsoft.com/office/drawing/2014/main" id="{0E4805A9-A7C9-F96A-6946-25DCF8A7731C}"/>
+              </a:ext>
+            </a:extLst>
+          </p:cNvPr>
+          <p:cNvPicPr>
+            <a:picLocks noChangeAspect="1"/>
+          </p:cNvPicPr>
+          <p:nvPr/>
+        </p:nvPicPr>
+        <p:blipFill>
+          <a:blip r:embed="rId2">
+            <a:extLst>
+              <a:ext uri="{28A0092B-C50C-407E-A947-70E740481C1C}">
+                <a14:useLocalDpi xmlns:a14="http://schemas.microsoft.com/office/drawing/2010/main" val="0"/>
+              </a:ext>
+            </a:extLst>
+          </a:blip>
+          <a:stretch>
+            <a:fillRect/>
+          </a:stretch>
+        </p:blipFill>
+        <p:spPr>
+          <a:xfrm>
+            <a:off x="107267" y="5213760"/>
+            <a:ext cx="1315134" cy="1473477"/>
+          </a:xfrm>
+          <a:prstGeom prst="rect">
+            <a:avLst/>
+          </a:prstGeom>
+        </p:spPr>
+      </p:pic>
+      <p:pic>
+        <p:nvPicPr>
+          <p:cNvPr id="14" name="Picture 13" descr="A table of numbers and symbols&#10;&#10;Description automatically generated">
+            <a:extLst>
+              <a:ext uri="{FF2B5EF4-FFF2-40B4-BE49-F238E27FC236}">
+                <a16:creationId xmlns:a16="http://schemas.microsoft.com/office/drawing/2014/main" id="{1A4FC2E2-C44D-BFFA-0A1C-6F8E02F1E412}"/>
+              </a:ext>
+            </a:extLst>
+          </p:cNvPr>
+          <p:cNvPicPr>
+            <a:picLocks noChangeAspect="1"/>
+          </p:cNvPicPr>
+          <p:nvPr/>
+        </p:nvPicPr>
+        <p:blipFill>
+          <a:blip r:embed="rId3">
+            <a:extLst>
+              <a:ext uri="{28A0092B-C50C-407E-A947-70E740481C1C}">
+                <a14:useLocalDpi xmlns:a14="http://schemas.microsoft.com/office/drawing/2010/main" val="0"/>
+              </a:ext>
+            </a:extLst>
+          </a:blip>
+          <a:stretch>
+            <a:fillRect/>
+          </a:stretch>
+        </p:blipFill>
+        <p:spPr>
+          <a:xfrm>
+            <a:off x="1422401" y="2707958"/>
+            <a:ext cx="5891299" cy="3061067"/>
+          </a:xfrm>
+          <a:prstGeom prst="rect">
+            <a:avLst/>
+          </a:prstGeom>
+        </p:spPr>
+      </p:pic>
+      <p:pic>
+        <p:nvPicPr>
+          <p:cNvPr id="16" name="Picture 15" descr="A diagram of a variety of circles&#10;&#10;Description automatically generated">
+            <a:extLst>
+              <a:ext uri="{FF2B5EF4-FFF2-40B4-BE49-F238E27FC236}">
+                <a16:creationId xmlns:a16="http://schemas.microsoft.com/office/drawing/2014/main" id="{9D9531D9-5336-6549-1D73-0E10F8536BFE}"/>
+              </a:ext>
+            </a:extLst>
+          </p:cNvPr>
+          <p:cNvPicPr>
+            <a:picLocks noChangeAspect="1"/>
+          </p:cNvPicPr>
+          <p:nvPr/>
+        </p:nvPicPr>
+        <p:blipFill>
+          <a:blip r:embed="rId4">
+            <a:extLst>
+              <a:ext uri="{28A0092B-C50C-407E-A947-70E740481C1C}">
+                <a14:useLocalDpi xmlns:a14="http://schemas.microsoft.com/office/drawing/2010/main" val="0"/>
+              </a:ext>
+            </a:extLst>
+          </a:blip>
+          <a:stretch>
+            <a:fillRect/>
+          </a:stretch>
+        </p:blipFill>
+        <p:spPr>
+          <a:xfrm>
+            <a:off x="7720100" y="2161173"/>
+            <a:ext cx="3513922" cy="3061067"/>
+          </a:xfrm>
+          <a:prstGeom prst="rect">
+            <a:avLst/>
+          </a:prstGeom>
+        </p:spPr>
+      </p:pic>
+    </p:spTree>
+    <p:extLst>
+      <p:ext uri="{BB962C8B-B14F-4D97-AF65-F5344CB8AC3E}">
+        <p14:creationId xmlns:p14="http://schemas.microsoft.com/office/powerpoint/2010/main" val="1508637777"/>
+      </p:ext>
+    </p:extLst>
+  </p:cSld>
+  <p:clrMapOvr>
+    <a:masterClrMapping/>
+  </p:clrMapOvr>
+</p:sld>
+</file>
+
+<file path=ppt/slides/slide11.xml><?xml version="1.0" encoding="utf-8"?>
+<p:sld xmlns:a="http://schemas.openxmlformats.org/drawingml/2006/main" xmlns:r="http://schemas.openxmlformats.org/officeDocument/2006/relationships" xmlns:p="http://schemas.openxmlformats.org/presentationml/2006/main">
+  <p:cSld>
+    <p:spTree>
+      <p:nvGrpSpPr>
+        <p:cNvPr id="1" name=""/>
+        <p:cNvGrpSpPr/>
+        <p:nvPr/>
+      </p:nvGrpSpPr>
+      <p:grpSpPr>
+        <a:xfrm>
+          <a:off x="0" y="0"/>
+          <a:ext cx="0" cy="0"/>
+          <a:chOff x="0" y="0"/>
+          <a:chExt cx="0" cy="0"/>
+        </a:xfrm>
+      </p:grpSpPr>
+      <p:sp>
+        <p:nvSpPr>
+          <p:cNvPr id="2" name="Title 1">
+            <a:extLst>
+              <a:ext uri="{FF2B5EF4-FFF2-40B4-BE49-F238E27FC236}">
+                <a16:creationId xmlns:a16="http://schemas.microsoft.com/office/drawing/2014/main" id="{BF9E1784-A472-810C-7F59-436DDC1D8C4B}"/>
+              </a:ext>
+            </a:extLst>
+          </p:cNvPr>
+          <p:cNvSpPr>
+            <a:spLocks noGrp="1"/>
+          </p:cNvSpPr>
+          <p:nvPr>
+            <p:ph type="ctrTitle"/>
+          </p:nvPr>
+        </p:nvSpPr>
+        <p:spPr>
+          <a:xfrm>
+            <a:off x="1524000" y="126683"/>
+            <a:ext cx="9144000" cy="1092517"/>
+          </a:xfrm>
+        </p:spPr>
+        <p:txBody>
+          <a:bodyPr>
+            <a:normAutofit/>
+          </a:bodyPr>
+          <a:lstStyle/>
+          <a:p>
+            <a:r>
+              <a:rPr lang="en-US" dirty="0"/>
+              <a:t>Evaluation</a:t>
+            </a:r>
+            <a:endParaRPr lang="en-GB" dirty="0"/>
+          </a:p>
+        </p:txBody>
+      </p:sp>
+      <p:sp>
+        <p:nvSpPr>
+          <p:cNvPr id="3" name="Subtitle 2">
+            <a:extLst>
+              <a:ext uri="{FF2B5EF4-FFF2-40B4-BE49-F238E27FC236}">
+                <a16:creationId xmlns:a16="http://schemas.microsoft.com/office/drawing/2014/main" id="{52B3E6A0-E3CA-1AA5-09C6-D89B2026A158}"/>
+              </a:ext>
+            </a:extLst>
+          </p:cNvPr>
+          <p:cNvSpPr>
+            <a:spLocks noGrp="1"/>
+          </p:cNvSpPr>
+          <p:nvPr>
+            <p:ph type="subTitle" idx="1"/>
+          </p:nvPr>
+        </p:nvSpPr>
+        <p:spPr>
+          <a:xfrm>
+            <a:off x="1524000" y="1666243"/>
+            <a:ext cx="9144000" cy="4307836"/>
+          </a:xfrm>
+        </p:spPr>
+        <p:txBody>
+          <a:bodyPr>
+            <a:normAutofit/>
+          </a:bodyPr>
+          <a:lstStyle/>
+          <a:p>
+            <a:pPr marL="342900" indent="-342900" algn="l">
+              <a:buFont typeface="Arial" panose="020B0604020202020204" pitchFamily="34" charset="0"/>
+              <a:buChar char="•"/>
+            </a:pPr>
+            <a:r>
+              <a:rPr lang="en-US" sz="3200" dirty="0"/>
+              <a:t>The ABC system was the best.</a:t>
+            </a:r>
+          </a:p>
+          <a:p>
+            <a:pPr marL="342900" indent="-342900" algn="l">
+              <a:buFont typeface="Arial" panose="020B0604020202020204" pitchFamily="34" charset="0"/>
+              <a:buChar char="•"/>
+            </a:pPr>
+            <a:r>
+              <a:rPr lang="en-US" sz="3200" dirty="0"/>
+              <a:t>This indicates that the other systems could be improved on</a:t>
+            </a:r>
+          </a:p>
+          <a:p>
+            <a:pPr marL="342900" indent="-342900" algn="l">
+              <a:buFont typeface="Arial" panose="020B0604020202020204" pitchFamily="34" charset="0"/>
+              <a:buChar char="•"/>
+            </a:pPr>
+            <a:r>
+              <a:rPr lang="en-US" sz="3200" dirty="0"/>
+              <a:t>Exploring adding more information to the graph could improve these systems</a:t>
+            </a:r>
+          </a:p>
+          <a:p>
+            <a:pPr marL="342900" indent="-342900" algn="l">
+              <a:buFont typeface="Arial" panose="020B0604020202020204" pitchFamily="34" charset="0"/>
+              <a:buChar char="•"/>
+            </a:pPr>
+            <a:r>
+              <a:rPr lang="en-US" sz="3200" dirty="0"/>
+              <a:t>Combining them in the future might make for interesting results</a:t>
+            </a:r>
+          </a:p>
+        </p:txBody>
+      </p:sp>
+      <p:cxnSp>
+        <p:nvCxnSpPr>
+          <p:cNvPr id="5" name="Straight Connector 4">
+            <a:extLst>
+              <a:ext uri="{FF2B5EF4-FFF2-40B4-BE49-F238E27FC236}">
+                <a16:creationId xmlns:a16="http://schemas.microsoft.com/office/drawing/2014/main" id="{B9F3328E-C3CD-7114-A1B2-6B05CB1D79B2}"/>
+              </a:ext>
+            </a:extLst>
+          </p:cNvPr>
+          <p:cNvCxnSpPr>
+            <a:cxnSpLocks/>
+          </p:cNvCxnSpPr>
+          <p:nvPr/>
+        </p:nvCxnSpPr>
+        <p:spPr>
+          <a:xfrm>
+            <a:off x="335280" y="1336358"/>
+            <a:ext cx="11856720" cy="0"/>
+          </a:xfrm>
+          <a:prstGeom prst="line">
+            <a:avLst/>
+          </a:prstGeom>
+        </p:spPr>
+        <p:style>
+          <a:lnRef idx="2">
+            <a:schemeClr val="accent1"/>
+          </a:lnRef>
+          <a:fillRef idx="0">
+            <a:schemeClr val="accent1"/>
+          </a:fillRef>
+          <a:effectRef idx="1">
+            <a:schemeClr val="accent1"/>
+          </a:effectRef>
+          <a:fontRef idx="minor">
+            <a:schemeClr val="tx1"/>
+          </a:fontRef>
+        </p:style>
+      </p:cxnSp>
+      <p:cxnSp>
+        <p:nvCxnSpPr>
+          <p:cNvPr id="7" name="Straight Connector 6">
+            <a:extLst>
+              <a:ext uri="{FF2B5EF4-FFF2-40B4-BE49-F238E27FC236}">
+                <a16:creationId xmlns:a16="http://schemas.microsoft.com/office/drawing/2014/main" id="{2B2683F1-176E-8CA3-DF22-91A9E0B8C2B6}"/>
+              </a:ext>
+            </a:extLst>
+          </p:cNvPr>
+          <p:cNvCxnSpPr/>
+          <p:nvPr/>
+        </p:nvCxnSpPr>
+        <p:spPr>
+          <a:xfrm flipV="1">
+            <a:off x="-121920" y="-152400"/>
+            <a:ext cx="1645920" cy="2072640"/>
+          </a:xfrm>
+          <a:prstGeom prst="line">
+            <a:avLst/>
+          </a:prstGeom>
+        </p:spPr>
+        <p:style>
+          <a:lnRef idx="2">
+            <a:schemeClr val="accent1"/>
+          </a:lnRef>
+          <a:fillRef idx="0">
+            <a:schemeClr val="accent1"/>
+          </a:fillRef>
+          <a:effectRef idx="1">
+            <a:schemeClr val="accent1"/>
+          </a:effectRef>
+          <a:fontRef idx="minor">
+            <a:schemeClr val="tx1"/>
+          </a:fontRef>
+        </p:style>
+      </p:cxnSp>
+      <p:cxnSp>
+        <p:nvCxnSpPr>
+          <p:cNvPr id="9" name="Straight Connector 8">
+            <a:extLst>
+              <a:ext uri="{FF2B5EF4-FFF2-40B4-BE49-F238E27FC236}">
+                <a16:creationId xmlns:a16="http://schemas.microsoft.com/office/drawing/2014/main" id="{18DA7C77-4739-CD3F-0EC8-89FD19991AF0}"/>
+              </a:ext>
+            </a:extLst>
+          </p:cNvPr>
+          <p:cNvCxnSpPr/>
+          <p:nvPr/>
+        </p:nvCxnSpPr>
+        <p:spPr>
+          <a:xfrm flipV="1">
+            <a:off x="-294640" y="-152400"/>
+            <a:ext cx="1351280" cy="1656080"/>
+          </a:xfrm>
+          <a:prstGeom prst="line">
+            <a:avLst/>
+          </a:prstGeom>
+        </p:spPr>
+        <p:style>
+          <a:lnRef idx="2">
+            <a:schemeClr val="accent1"/>
+          </a:lnRef>
+          <a:fillRef idx="0">
+            <a:schemeClr val="accent1"/>
+          </a:fillRef>
+          <a:effectRef idx="1">
+            <a:schemeClr val="accent1"/>
+          </a:effectRef>
+          <a:fontRef idx="minor">
+            <a:schemeClr val="tx1"/>
+          </a:fontRef>
+        </p:style>
+      </p:cxnSp>
+      <p:cxnSp>
+        <p:nvCxnSpPr>
+          <p:cNvPr id="11" name="Straight Connector 10">
+            <a:extLst>
+              <a:ext uri="{FF2B5EF4-FFF2-40B4-BE49-F238E27FC236}">
+                <a16:creationId xmlns:a16="http://schemas.microsoft.com/office/drawing/2014/main" id="{D799A568-C6B8-0DC3-10B8-ADE0DD52EF0E}"/>
+              </a:ext>
+            </a:extLst>
+          </p:cNvPr>
+          <p:cNvCxnSpPr/>
+          <p:nvPr/>
+        </p:nvCxnSpPr>
+        <p:spPr>
+          <a:xfrm flipV="1">
+            <a:off x="-193040" y="-152400"/>
+            <a:ext cx="812800" cy="955040"/>
+          </a:xfrm>
+          <a:prstGeom prst="line">
+            <a:avLst/>
+          </a:prstGeom>
+        </p:spPr>
+        <p:style>
+          <a:lnRef idx="2">
+            <a:schemeClr val="accent1"/>
+          </a:lnRef>
+          <a:fillRef idx="0">
+            <a:schemeClr val="accent1"/>
+          </a:fillRef>
+          <a:effectRef idx="1">
+            <a:schemeClr val="accent1"/>
+          </a:effectRef>
+          <a:fontRef idx="minor">
+            <a:schemeClr val="tx1"/>
+          </a:fontRef>
+        </p:style>
+      </p:cxnSp>
+      <p:grpSp>
+        <p:nvGrpSpPr>
+          <p:cNvPr id="4" name="Group 3">
+            <a:extLst>
+              <a:ext uri="{FF2B5EF4-FFF2-40B4-BE49-F238E27FC236}">
+                <a16:creationId xmlns:a16="http://schemas.microsoft.com/office/drawing/2014/main" id="{2DE1EA7E-96C6-6C8F-F8C9-67D51EBDBC2C}"/>
+              </a:ext>
+            </a:extLst>
+          </p:cNvPr>
+          <p:cNvGrpSpPr/>
+          <p:nvPr/>
+        </p:nvGrpSpPr>
+        <p:grpSpPr>
+          <a:xfrm>
+            <a:off x="10566400" y="4683760"/>
+            <a:ext cx="2032000" cy="2336796"/>
+            <a:chOff x="10566400" y="4683760"/>
+            <a:chExt cx="2032000" cy="2336796"/>
+          </a:xfrm>
+        </p:grpSpPr>
+        <p:sp>
+          <p:nvSpPr>
+            <p:cNvPr id="6" name="Rectangle 5">
+              <a:extLst>
+                <a:ext uri="{FF2B5EF4-FFF2-40B4-BE49-F238E27FC236}">
+                  <a16:creationId xmlns:a16="http://schemas.microsoft.com/office/drawing/2014/main" id="{2D71F413-4690-B03E-ADCE-DDC24C8B6D83}"/>
+                </a:ext>
+              </a:extLst>
+            </p:cNvPr>
+            <p:cNvSpPr/>
+            <p:nvPr/>
+          </p:nvSpPr>
+          <p:spPr>
+            <a:xfrm>
+              <a:off x="11308080" y="4683760"/>
+              <a:ext cx="1290320" cy="1564640"/>
+            </a:xfrm>
+            <a:prstGeom prst="rect">
+              <a:avLst/>
+            </a:prstGeom>
+            <a:solidFill>
+              <a:srgbClr val="048D94"/>
+            </a:solidFill>
+            <a:ln>
+              <a:noFill/>
+            </a:ln>
+          </p:spPr>
+          <p:style>
+            <a:lnRef idx="2">
+              <a:schemeClr val="accent1">
+                <a:shade val="15000"/>
+              </a:schemeClr>
+            </a:lnRef>
+            <a:fillRef idx="1">
+              <a:schemeClr val="accent1"/>
+            </a:fillRef>
+            <a:effectRef idx="0">
+              <a:schemeClr val="accent1"/>
+            </a:effectRef>
+            <a:fontRef idx="minor">
+              <a:schemeClr val="lt1"/>
+            </a:fontRef>
+          </p:style>
+          <p:txBody>
+            <a:bodyPr rtlCol="0" anchor="ctr"/>
+            <a:lstStyle/>
+            <a:p>
+              <a:pPr algn="ctr"/>
+              <a:endParaRPr lang="en-GB"/>
+            </a:p>
+          </p:txBody>
+        </p:sp>
+        <p:sp>
+          <p:nvSpPr>
+            <p:cNvPr id="8" name="Rectangle 7">
+              <a:extLst>
+                <a:ext uri="{FF2B5EF4-FFF2-40B4-BE49-F238E27FC236}">
+                  <a16:creationId xmlns:a16="http://schemas.microsoft.com/office/drawing/2014/main" id="{53461155-A503-9FDC-A2AE-94B9C79ED656}"/>
+                </a:ext>
+              </a:extLst>
+            </p:cNvPr>
+            <p:cNvSpPr/>
+            <p:nvPr/>
+          </p:nvSpPr>
+          <p:spPr>
+            <a:xfrm>
+              <a:off x="10566400" y="5537200"/>
+              <a:ext cx="1849120" cy="1483356"/>
+            </a:xfrm>
+            <a:prstGeom prst="rect">
+              <a:avLst/>
+            </a:prstGeom>
+            <a:solidFill>
+              <a:srgbClr val="156082"/>
+            </a:solidFill>
+            <a:ln>
+              <a:solidFill>
+                <a:schemeClr val="accent1"/>
+              </a:solidFill>
+            </a:ln>
+          </p:spPr>
+          <p:style>
+            <a:lnRef idx="2">
+              <a:schemeClr val="accent1">
+                <a:shade val="15000"/>
+              </a:schemeClr>
+            </a:lnRef>
+            <a:fillRef idx="1">
+              <a:schemeClr val="accent1"/>
+            </a:fillRef>
+            <a:effectRef idx="0">
+              <a:schemeClr val="accent1"/>
+            </a:effectRef>
+            <a:fontRef idx="minor">
+              <a:schemeClr val="lt1"/>
+            </a:fontRef>
+          </p:style>
+          <p:txBody>
+            <a:bodyPr rtlCol="0" anchor="ctr"/>
+            <a:lstStyle/>
+            <a:p>
+              <a:pPr algn="ctr"/>
+              <a:endParaRPr lang="en-GB"/>
+            </a:p>
+          </p:txBody>
+        </p:sp>
+        <p:sp>
+          <p:nvSpPr>
+            <p:cNvPr id="10" name="Rectangle 9">
+              <a:extLst>
+                <a:ext uri="{FF2B5EF4-FFF2-40B4-BE49-F238E27FC236}">
+                  <a16:creationId xmlns:a16="http://schemas.microsoft.com/office/drawing/2014/main" id="{5EFF85A9-8AAF-7B25-9DED-853DB22E5005}"/>
+                </a:ext>
+              </a:extLst>
+            </p:cNvPr>
+            <p:cNvSpPr/>
+            <p:nvPr/>
+          </p:nvSpPr>
+          <p:spPr>
+            <a:xfrm>
+              <a:off x="11074400" y="5313680"/>
+              <a:ext cx="548640" cy="711200"/>
+            </a:xfrm>
+            <a:prstGeom prst="rect">
+              <a:avLst/>
+            </a:prstGeom>
+            <a:solidFill>
+              <a:srgbClr val="12CFEE"/>
+            </a:solidFill>
+            <a:ln>
+              <a:noFill/>
+            </a:ln>
+          </p:spPr>
+          <p:style>
+            <a:lnRef idx="2">
+              <a:schemeClr val="accent1">
+                <a:shade val="15000"/>
+              </a:schemeClr>
+            </a:lnRef>
+            <a:fillRef idx="1">
+              <a:schemeClr val="accent1"/>
+            </a:fillRef>
+            <a:effectRef idx="0">
+              <a:schemeClr val="accent1"/>
+            </a:effectRef>
+            <a:fontRef idx="minor">
+              <a:schemeClr val="lt1"/>
+            </a:fontRef>
+          </p:style>
+          <p:txBody>
+            <a:bodyPr rtlCol="0" anchor="ctr"/>
+            <a:lstStyle/>
+            <a:p>
+              <a:pPr algn="ctr"/>
+              <a:endParaRPr lang="en-GB"/>
+            </a:p>
+          </p:txBody>
+        </p:sp>
+      </p:grpSp>
+      <p:pic>
+        <p:nvPicPr>
+          <p:cNvPr id="12" name="Picture 11" descr="A blue and black network&#10;&#10;Description automatically generated">
+            <a:extLst>
+              <a:ext uri="{FF2B5EF4-FFF2-40B4-BE49-F238E27FC236}">
+                <a16:creationId xmlns:a16="http://schemas.microsoft.com/office/drawing/2014/main" id="{0E4805A9-A7C9-F96A-6946-25DCF8A7731C}"/>
+              </a:ext>
+            </a:extLst>
+          </p:cNvPr>
+          <p:cNvPicPr>
+            <a:picLocks noChangeAspect="1"/>
+          </p:cNvPicPr>
+          <p:nvPr/>
+        </p:nvPicPr>
+        <p:blipFill>
+          <a:blip r:embed="rId2">
+            <a:extLst>
+              <a:ext uri="{28A0092B-C50C-407E-A947-70E740481C1C}">
+                <a14:useLocalDpi xmlns:a14="http://schemas.microsoft.com/office/drawing/2010/main" val="0"/>
+              </a:ext>
+            </a:extLst>
+          </a:blip>
+          <a:stretch>
+            <a:fillRect/>
+          </a:stretch>
+        </p:blipFill>
+        <p:spPr>
+          <a:xfrm>
+            <a:off x="107267" y="5213760"/>
+            <a:ext cx="1315134" cy="1473477"/>
+          </a:xfrm>
+          <a:prstGeom prst="rect">
+            <a:avLst/>
+          </a:prstGeom>
+        </p:spPr>
+      </p:pic>
+    </p:spTree>
+    <p:extLst>
+      <p:ext uri="{BB962C8B-B14F-4D97-AF65-F5344CB8AC3E}">
+        <p14:creationId xmlns:p14="http://schemas.microsoft.com/office/powerpoint/2010/main" val="2524159610"/>
+      </p:ext>
+    </p:extLst>
+  </p:cSld>
+  <p:clrMapOvr>
+    <a:masterClrMapping/>
+  </p:clrMapOvr>
+</p:sld>
+</file>
+
 <file path=ppt/slides/slide2.xml><?xml version="1.0" encoding="utf-8"?>
 <p:sld xmlns:a="http://schemas.openxmlformats.org/drawingml/2006/main" xmlns:r="http://schemas.openxmlformats.org/officeDocument/2006/relationships" xmlns:p="http://schemas.openxmlformats.org/presentationml/2006/main">
   <p:cSld>
@@ -3876,7 +4924,7 @@
             </a:pPr>
             <a:r>
               <a:rPr lang="en-US" sz="3200" dirty="0"/>
-              <a:t>Connections between research are lost</a:t>
+              <a:t>Connections between research are not made as hypothesis</a:t>
             </a:r>
           </a:p>
           <a:p>
@@ -4333,7 +5381,7 @@
           <a:p>
             <a:r>
               <a:rPr lang="en-US" dirty="0"/>
-              <a:t>Prediction Systems</a:t>
+              <a:t>Defining the Data</a:t>
             </a:r>
             <a:endParaRPr lang="en-GB" dirty="0"/>
           </a:p>
@@ -4379,10 +5427,7 @@
               <a:buFont typeface="Arial" panose="020B0604020202020204" pitchFamily="34" charset="0"/>
               <a:buChar char="•"/>
             </a:pPr>
-            <a:r>
-              <a:rPr lang="en-US" sz="3200" dirty="0"/>
-              <a:t>What is a connection between concepts</a:t>
-            </a:r>
+            <a:endParaRPr lang="en-US" sz="3200" dirty="0"/>
           </a:p>
           <a:p>
             <a:pPr marL="342900" indent="-342900" algn="l">
@@ -4391,7 +5436,7 @@
             </a:pPr>
             <a:r>
               <a:rPr lang="en-US" sz="3200" dirty="0"/>
-              <a:t>What is a prediction </a:t>
+              <a:t>What is a connection between concepts</a:t>
             </a:r>
           </a:p>
           <a:p>
@@ -4408,27 +5453,7 @@
             </a:pPr>
             <a:r>
               <a:rPr lang="en-US" sz="3200" dirty="0"/>
-              <a:t>ABC approach</a:t>
-            </a:r>
-          </a:p>
-          <a:p>
-            <a:pPr marL="342900" indent="-342900" algn="l">
-              <a:buFont typeface="Arial" panose="020B0604020202020204" pitchFamily="34" charset="0"/>
-              <a:buChar char="•"/>
-            </a:pPr>
-            <a:r>
-              <a:rPr lang="en-US" sz="3200" dirty="0"/>
-              <a:t>GNN approach </a:t>
-            </a:r>
-          </a:p>
-          <a:p>
-            <a:pPr marL="342900" indent="-342900" algn="l">
-              <a:buFont typeface="Arial" panose="020B0604020202020204" pitchFamily="34" charset="0"/>
-              <a:buChar char="•"/>
-            </a:pPr>
-            <a:r>
-              <a:rPr lang="en-US" sz="3200" dirty="0"/>
-              <a:t>Matrix factorization approach</a:t>
+              <a:t>What is a prediction </a:t>
             </a:r>
           </a:p>
           <a:p>
@@ -4798,6 +5823,42 @@
           </a:prstGeom>
         </p:spPr>
       </p:pic>
+      <p:pic>
+        <p:nvPicPr>
+          <p:cNvPr id="18" name="Picture 17" descr="A diagram of a triangle with circles and a red line&#10;&#10;Description automatically generated">
+            <a:extLst>
+              <a:ext uri="{FF2B5EF4-FFF2-40B4-BE49-F238E27FC236}">
+                <a16:creationId xmlns:a16="http://schemas.microsoft.com/office/drawing/2014/main" id="{B0E6E795-7F3C-709F-5486-D9B203658574}"/>
+              </a:ext>
+            </a:extLst>
+          </p:cNvPr>
+          <p:cNvPicPr>
+            <a:picLocks noChangeAspect="1"/>
+          </p:cNvPicPr>
+          <p:nvPr/>
+        </p:nvPicPr>
+        <p:blipFill>
+          <a:blip r:embed="rId3">
+            <a:extLst>
+              <a:ext uri="{28A0092B-C50C-407E-A947-70E740481C1C}">
+                <a14:useLocalDpi xmlns:a14="http://schemas.microsoft.com/office/drawing/2010/main" val="0"/>
+              </a:ext>
+            </a:extLst>
+          </a:blip>
+          <a:stretch>
+            <a:fillRect/>
+          </a:stretch>
+        </p:blipFill>
+        <p:spPr>
+          <a:xfrm>
+            <a:off x="6149091" y="3474562"/>
+            <a:ext cx="3225966" cy="3022755"/>
+          </a:xfrm>
+          <a:prstGeom prst="rect">
+            <a:avLst/>
+          </a:prstGeom>
+        </p:spPr>
+      </p:pic>
     </p:spTree>
     <p:extLst>
       <p:ext uri="{BB962C8B-B14F-4D97-AF65-F5344CB8AC3E}">
@@ -4858,7 +5919,7 @@
           <a:p>
             <a:r>
               <a:rPr lang="en-US" dirty="0"/>
-              <a:t>Research Questions</a:t>
+              <a:t>ABC system</a:t>
             </a:r>
             <a:endParaRPr lang="en-GB" dirty="0"/>
           </a:p>
@@ -4883,7 +5944,7 @@
         <p:spPr>
           <a:xfrm>
             <a:off x="1524000" y="1666243"/>
-            <a:ext cx="9144000" cy="4307836"/>
+            <a:ext cx="3915930" cy="4307836"/>
           </a:xfrm>
         </p:spPr>
         <p:txBody>
@@ -4896,12 +5957,8 @@
             </a:pPr>
             <a:r>
               <a:rPr lang="en-US" sz="3200" dirty="0"/>
-              <a:t>RQ1: What is the effect of edge weight on ABC prediction system?</a:t>
-            </a:r>
-          </a:p>
-          <a:p>
-            <a:pPr algn="l"/>
-            <a:endParaRPr lang="en-US" sz="3200" dirty="0"/>
+              <a:t>ABC approach</a:t>
+            </a:r>
           </a:p>
           <a:p>
             <a:pPr marL="342900" indent="-342900" algn="l">
@@ -4910,12 +5967,8 @@
             </a:pPr>
             <a:r>
               <a:rPr lang="en-US" sz="3200" dirty="0"/>
-              <a:t>RQ2: How do the three systems compare to each other?</a:t>
-            </a:r>
-          </a:p>
-          <a:p>
-            <a:pPr algn="l"/>
-            <a:endParaRPr lang="en-US" sz="3200" dirty="0"/>
+              <a:t>If A is connected to B</a:t>
+            </a:r>
           </a:p>
           <a:p>
             <a:pPr marL="342900" indent="-342900" algn="l">
@@ -4924,7 +5977,1102 @@
             </a:pPr>
             <a:r>
               <a:rPr lang="en-US" sz="3200" dirty="0"/>
-              <a:t>RQ3: Can the systems be combined to create a better prediction system?</a:t>
+              <a:t>And B is connected to C</a:t>
+            </a:r>
+          </a:p>
+          <a:p>
+            <a:pPr marL="342900" indent="-342900" algn="l">
+              <a:buFont typeface="Arial" panose="020B0604020202020204" pitchFamily="34" charset="0"/>
+              <a:buChar char="•"/>
+            </a:pPr>
+            <a:r>
+              <a:rPr lang="en-US" sz="3200" dirty="0"/>
+              <a:t>Maybe A is connected to C</a:t>
+            </a:r>
+          </a:p>
+          <a:p>
+            <a:pPr algn="l"/>
+            <a:endParaRPr lang="en-GB" dirty="0"/>
+          </a:p>
+        </p:txBody>
+      </p:sp>
+      <p:cxnSp>
+        <p:nvCxnSpPr>
+          <p:cNvPr id="5" name="Straight Connector 4">
+            <a:extLst>
+              <a:ext uri="{FF2B5EF4-FFF2-40B4-BE49-F238E27FC236}">
+                <a16:creationId xmlns:a16="http://schemas.microsoft.com/office/drawing/2014/main" id="{B9F3328E-C3CD-7114-A1B2-6B05CB1D79B2}"/>
+              </a:ext>
+            </a:extLst>
+          </p:cNvPr>
+          <p:cNvCxnSpPr>
+            <a:cxnSpLocks/>
+          </p:cNvCxnSpPr>
+          <p:nvPr/>
+        </p:nvCxnSpPr>
+        <p:spPr>
+          <a:xfrm>
+            <a:off x="335280" y="1336358"/>
+            <a:ext cx="11856720" cy="0"/>
+          </a:xfrm>
+          <a:prstGeom prst="line">
+            <a:avLst/>
+          </a:prstGeom>
+        </p:spPr>
+        <p:style>
+          <a:lnRef idx="2">
+            <a:schemeClr val="accent1"/>
+          </a:lnRef>
+          <a:fillRef idx="0">
+            <a:schemeClr val="accent1"/>
+          </a:fillRef>
+          <a:effectRef idx="1">
+            <a:schemeClr val="accent1"/>
+          </a:effectRef>
+          <a:fontRef idx="minor">
+            <a:schemeClr val="tx1"/>
+          </a:fontRef>
+        </p:style>
+      </p:cxnSp>
+      <p:cxnSp>
+        <p:nvCxnSpPr>
+          <p:cNvPr id="7" name="Straight Connector 6">
+            <a:extLst>
+              <a:ext uri="{FF2B5EF4-FFF2-40B4-BE49-F238E27FC236}">
+                <a16:creationId xmlns:a16="http://schemas.microsoft.com/office/drawing/2014/main" id="{2B2683F1-176E-8CA3-DF22-91A9E0B8C2B6}"/>
+              </a:ext>
+            </a:extLst>
+          </p:cNvPr>
+          <p:cNvCxnSpPr/>
+          <p:nvPr/>
+        </p:nvCxnSpPr>
+        <p:spPr>
+          <a:xfrm flipV="1">
+            <a:off x="-121920" y="-152400"/>
+            <a:ext cx="1645920" cy="2072640"/>
+          </a:xfrm>
+          <a:prstGeom prst="line">
+            <a:avLst/>
+          </a:prstGeom>
+        </p:spPr>
+        <p:style>
+          <a:lnRef idx="2">
+            <a:schemeClr val="accent1"/>
+          </a:lnRef>
+          <a:fillRef idx="0">
+            <a:schemeClr val="accent1"/>
+          </a:fillRef>
+          <a:effectRef idx="1">
+            <a:schemeClr val="accent1"/>
+          </a:effectRef>
+          <a:fontRef idx="minor">
+            <a:schemeClr val="tx1"/>
+          </a:fontRef>
+        </p:style>
+      </p:cxnSp>
+      <p:cxnSp>
+        <p:nvCxnSpPr>
+          <p:cNvPr id="9" name="Straight Connector 8">
+            <a:extLst>
+              <a:ext uri="{FF2B5EF4-FFF2-40B4-BE49-F238E27FC236}">
+                <a16:creationId xmlns:a16="http://schemas.microsoft.com/office/drawing/2014/main" id="{18DA7C77-4739-CD3F-0EC8-89FD19991AF0}"/>
+              </a:ext>
+            </a:extLst>
+          </p:cNvPr>
+          <p:cNvCxnSpPr/>
+          <p:nvPr/>
+        </p:nvCxnSpPr>
+        <p:spPr>
+          <a:xfrm flipV="1">
+            <a:off x="-294640" y="-152400"/>
+            <a:ext cx="1351280" cy="1656080"/>
+          </a:xfrm>
+          <a:prstGeom prst="line">
+            <a:avLst/>
+          </a:prstGeom>
+        </p:spPr>
+        <p:style>
+          <a:lnRef idx="2">
+            <a:schemeClr val="accent1"/>
+          </a:lnRef>
+          <a:fillRef idx="0">
+            <a:schemeClr val="accent1"/>
+          </a:fillRef>
+          <a:effectRef idx="1">
+            <a:schemeClr val="accent1"/>
+          </a:effectRef>
+          <a:fontRef idx="minor">
+            <a:schemeClr val="tx1"/>
+          </a:fontRef>
+        </p:style>
+      </p:cxnSp>
+      <p:cxnSp>
+        <p:nvCxnSpPr>
+          <p:cNvPr id="11" name="Straight Connector 10">
+            <a:extLst>
+              <a:ext uri="{FF2B5EF4-FFF2-40B4-BE49-F238E27FC236}">
+                <a16:creationId xmlns:a16="http://schemas.microsoft.com/office/drawing/2014/main" id="{D799A568-C6B8-0DC3-10B8-ADE0DD52EF0E}"/>
+              </a:ext>
+            </a:extLst>
+          </p:cNvPr>
+          <p:cNvCxnSpPr/>
+          <p:nvPr/>
+        </p:nvCxnSpPr>
+        <p:spPr>
+          <a:xfrm flipV="1">
+            <a:off x="-193040" y="-152400"/>
+            <a:ext cx="812800" cy="955040"/>
+          </a:xfrm>
+          <a:prstGeom prst="line">
+            <a:avLst/>
+          </a:prstGeom>
+        </p:spPr>
+        <p:style>
+          <a:lnRef idx="2">
+            <a:schemeClr val="accent1"/>
+          </a:lnRef>
+          <a:fillRef idx="0">
+            <a:schemeClr val="accent1"/>
+          </a:fillRef>
+          <a:effectRef idx="1">
+            <a:schemeClr val="accent1"/>
+          </a:effectRef>
+          <a:fontRef idx="minor">
+            <a:schemeClr val="tx1"/>
+          </a:fontRef>
+        </p:style>
+      </p:cxnSp>
+      <p:grpSp>
+        <p:nvGrpSpPr>
+          <p:cNvPr id="4" name="Group 3">
+            <a:extLst>
+              <a:ext uri="{FF2B5EF4-FFF2-40B4-BE49-F238E27FC236}">
+                <a16:creationId xmlns:a16="http://schemas.microsoft.com/office/drawing/2014/main" id="{769B05E9-4747-14F9-D2C6-B39048FCB4CB}"/>
+              </a:ext>
+            </a:extLst>
+          </p:cNvPr>
+          <p:cNvGrpSpPr/>
+          <p:nvPr/>
+        </p:nvGrpSpPr>
+        <p:grpSpPr>
+          <a:xfrm>
+            <a:off x="10566400" y="4683760"/>
+            <a:ext cx="2032000" cy="2336796"/>
+            <a:chOff x="10566400" y="4683760"/>
+            <a:chExt cx="2032000" cy="2336796"/>
+          </a:xfrm>
+        </p:grpSpPr>
+        <p:sp>
+          <p:nvSpPr>
+            <p:cNvPr id="6" name="Rectangle 5">
+              <a:extLst>
+                <a:ext uri="{FF2B5EF4-FFF2-40B4-BE49-F238E27FC236}">
+                  <a16:creationId xmlns:a16="http://schemas.microsoft.com/office/drawing/2014/main" id="{031F9AE7-C9FA-C965-6FE0-E4A92E076470}"/>
+                </a:ext>
+              </a:extLst>
+            </p:cNvPr>
+            <p:cNvSpPr/>
+            <p:nvPr/>
+          </p:nvSpPr>
+          <p:spPr>
+            <a:xfrm>
+              <a:off x="11308080" y="4683760"/>
+              <a:ext cx="1290320" cy="1564640"/>
+            </a:xfrm>
+            <a:prstGeom prst="rect">
+              <a:avLst/>
+            </a:prstGeom>
+            <a:solidFill>
+              <a:srgbClr val="048D94"/>
+            </a:solidFill>
+            <a:ln>
+              <a:noFill/>
+            </a:ln>
+          </p:spPr>
+          <p:style>
+            <a:lnRef idx="2">
+              <a:schemeClr val="accent1">
+                <a:shade val="15000"/>
+              </a:schemeClr>
+            </a:lnRef>
+            <a:fillRef idx="1">
+              <a:schemeClr val="accent1"/>
+            </a:fillRef>
+            <a:effectRef idx="0">
+              <a:schemeClr val="accent1"/>
+            </a:effectRef>
+            <a:fontRef idx="minor">
+              <a:schemeClr val="lt1"/>
+            </a:fontRef>
+          </p:style>
+          <p:txBody>
+            <a:bodyPr rtlCol="0" anchor="ctr"/>
+            <a:lstStyle/>
+            <a:p>
+              <a:pPr algn="ctr"/>
+              <a:endParaRPr lang="en-GB"/>
+            </a:p>
+          </p:txBody>
+        </p:sp>
+        <p:sp>
+          <p:nvSpPr>
+            <p:cNvPr id="8" name="Rectangle 7">
+              <a:extLst>
+                <a:ext uri="{FF2B5EF4-FFF2-40B4-BE49-F238E27FC236}">
+                  <a16:creationId xmlns:a16="http://schemas.microsoft.com/office/drawing/2014/main" id="{BA464245-7642-647A-3008-F73F8CA9698C}"/>
+                </a:ext>
+              </a:extLst>
+            </p:cNvPr>
+            <p:cNvSpPr/>
+            <p:nvPr/>
+          </p:nvSpPr>
+          <p:spPr>
+            <a:xfrm>
+              <a:off x="10566400" y="5537200"/>
+              <a:ext cx="1849120" cy="1483356"/>
+            </a:xfrm>
+            <a:prstGeom prst="rect">
+              <a:avLst/>
+            </a:prstGeom>
+            <a:solidFill>
+              <a:srgbClr val="156082"/>
+            </a:solidFill>
+            <a:ln>
+              <a:solidFill>
+                <a:schemeClr val="accent1"/>
+              </a:solidFill>
+            </a:ln>
+          </p:spPr>
+          <p:style>
+            <a:lnRef idx="2">
+              <a:schemeClr val="accent1">
+                <a:shade val="15000"/>
+              </a:schemeClr>
+            </a:lnRef>
+            <a:fillRef idx="1">
+              <a:schemeClr val="accent1"/>
+            </a:fillRef>
+            <a:effectRef idx="0">
+              <a:schemeClr val="accent1"/>
+            </a:effectRef>
+            <a:fontRef idx="minor">
+              <a:schemeClr val="lt1"/>
+            </a:fontRef>
+          </p:style>
+          <p:txBody>
+            <a:bodyPr rtlCol="0" anchor="ctr"/>
+            <a:lstStyle/>
+            <a:p>
+              <a:pPr algn="ctr"/>
+              <a:endParaRPr lang="en-GB"/>
+            </a:p>
+          </p:txBody>
+        </p:sp>
+        <p:sp>
+          <p:nvSpPr>
+            <p:cNvPr id="10" name="Rectangle 9">
+              <a:extLst>
+                <a:ext uri="{FF2B5EF4-FFF2-40B4-BE49-F238E27FC236}">
+                  <a16:creationId xmlns:a16="http://schemas.microsoft.com/office/drawing/2014/main" id="{ED6DECAD-D562-03F8-C30C-A48107DD6FCD}"/>
+                </a:ext>
+              </a:extLst>
+            </p:cNvPr>
+            <p:cNvSpPr/>
+            <p:nvPr/>
+          </p:nvSpPr>
+          <p:spPr>
+            <a:xfrm>
+              <a:off x="11074400" y="5313680"/>
+              <a:ext cx="548640" cy="711200"/>
+            </a:xfrm>
+            <a:prstGeom prst="rect">
+              <a:avLst/>
+            </a:prstGeom>
+            <a:solidFill>
+              <a:srgbClr val="12CFEE"/>
+            </a:solidFill>
+            <a:ln>
+              <a:noFill/>
+            </a:ln>
+          </p:spPr>
+          <p:style>
+            <a:lnRef idx="2">
+              <a:schemeClr val="accent1">
+                <a:shade val="15000"/>
+              </a:schemeClr>
+            </a:lnRef>
+            <a:fillRef idx="1">
+              <a:schemeClr val="accent1"/>
+            </a:fillRef>
+            <a:effectRef idx="0">
+              <a:schemeClr val="accent1"/>
+            </a:effectRef>
+            <a:fontRef idx="minor">
+              <a:schemeClr val="lt1"/>
+            </a:fontRef>
+          </p:style>
+          <p:txBody>
+            <a:bodyPr rtlCol="0" anchor="ctr"/>
+            <a:lstStyle/>
+            <a:p>
+              <a:pPr algn="ctr"/>
+              <a:endParaRPr lang="en-GB"/>
+            </a:p>
+          </p:txBody>
+        </p:sp>
+      </p:grpSp>
+      <p:pic>
+        <p:nvPicPr>
+          <p:cNvPr id="13" name="Picture 12" descr="A blue and black network&#10;&#10;Description automatically generated">
+            <a:extLst>
+              <a:ext uri="{FF2B5EF4-FFF2-40B4-BE49-F238E27FC236}">
+                <a16:creationId xmlns:a16="http://schemas.microsoft.com/office/drawing/2014/main" id="{1FD5316E-AFEE-0F69-879A-B8D24E81C397}"/>
+              </a:ext>
+            </a:extLst>
+          </p:cNvPr>
+          <p:cNvPicPr>
+            <a:picLocks noChangeAspect="1"/>
+          </p:cNvPicPr>
+          <p:nvPr/>
+        </p:nvPicPr>
+        <p:blipFill>
+          <a:blip r:embed="rId2">
+            <a:extLst>
+              <a:ext uri="{28A0092B-C50C-407E-A947-70E740481C1C}">
+                <a14:useLocalDpi xmlns:a14="http://schemas.microsoft.com/office/drawing/2010/main" val="0"/>
+              </a:ext>
+            </a:extLst>
+          </a:blip>
+          <a:stretch>
+            <a:fillRect/>
+          </a:stretch>
+        </p:blipFill>
+        <p:spPr>
+          <a:xfrm>
+            <a:off x="107267" y="5213760"/>
+            <a:ext cx="1315134" cy="1473477"/>
+          </a:xfrm>
+          <a:prstGeom prst="rect">
+            <a:avLst/>
+          </a:prstGeom>
+        </p:spPr>
+      </p:pic>
+      <p:pic>
+        <p:nvPicPr>
+          <p:cNvPr id="14" name="Picture 13" descr="A diagram of a network&#10;&#10;Description automatically generated">
+            <a:extLst>
+              <a:ext uri="{FF2B5EF4-FFF2-40B4-BE49-F238E27FC236}">
+                <a16:creationId xmlns:a16="http://schemas.microsoft.com/office/drawing/2014/main" id="{2EA7865A-BC58-3AB5-EAA9-8ED3075F267A}"/>
+              </a:ext>
+            </a:extLst>
+          </p:cNvPr>
+          <p:cNvPicPr>
+            <a:picLocks noChangeAspect="1"/>
+          </p:cNvPicPr>
+          <p:nvPr/>
+        </p:nvPicPr>
+        <p:blipFill>
+          <a:blip r:embed="rId3">
+            <a:extLst>
+              <a:ext uri="{28A0092B-C50C-407E-A947-70E740481C1C}">
+                <a14:useLocalDpi xmlns:a14="http://schemas.microsoft.com/office/drawing/2010/main" val="0"/>
+              </a:ext>
+            </a:extLst>
+          </a:blip>
+          <a:stretch>
+            <a:fillRect/>
+          </a:stretch>
+        </p:blipFill>
+        <p:spPr>
+          <a:xfrm>
+            <a:off x="5541529" y="1666243"/>
+            <a:ext cx="4502381" cy="2959252"/>
+          </a:xfrm>
+          <a:prstGeom prst="rect">
+            <a:avLst/>
+          </a:prstGeom>
+        </p:spPr>
+      </p:pic>
+    </p:spTree>
+    <p:extLst>
+      <p:ext uri="{BB962C8B-B14F-4D97-AF65-F5344CB8AC3E}">
+        <p14:creationId xmlns:p14="http://schemas.microsoft.com/office/powerpoint/2010/main" val="2014558206"/>
+      </p:ext>
+    </p:extLst>
+  </p:cSld>
+  <p:clrMapOvr>
+    <a:masterClrMapping/>
+  </p:clrMapOvr>
+</p:sld>
+</file>
+
+<file path=ppt/slides/slide5.xml><?xml version="1.0" encoding="utf-8"?>
+<p:sld xmlns:a="http://schemas.openxmlformats.org/drawingml/2006/main" xmlns:r="http://schemas.openxmlformats.org/officeDocument/2006/relationships" xmlns:p="http://schemas.openxmlformats.org/presentationml/2006/main">
+  <p:cSld>
+    <p:spTree>
+      <p:nvGrpSpPr>
+        <p:cNvPr id="1" name=""/>
+        <p:cNvGrpSpPr/>
+        <p:nvPr/>
+      </p:nvGrpSpPr>
+      <p:grpSpPr>
+        <a:xfrm>
+          <a:off x="0" y="0"/>
+          <a:ext cx="0" cy="0"/>
+          <a:chOff x="0" y="0"/>
+          <a:chExt cx="0" cy="0"/>
+        </a:xfrm>
+      </p:grpSpPr>
+      <p:sp>
+        <p:nvSpPr>
+          <p:cNvPr id="2" name="Title 1">
+            <a:extLst>
+              <a:ext uri="{FF2B5EF4-FFF2-40B4-BE49-F238E27FC236}">
+                <a16:creationId xmlns:a16="http://schemas.microsoft.com/office/drawing/2014/main" id="{BF9E1784-A472-810C-7F59-436DDC1D8C4B}"/>
+              </a:ext>
+            </a:extLst>
+          </p:cNvPr>
+          <p:cNvSpPr>
+            <a:spLocks noGrp="1"/>
+          </p:cNvSpPr>
+          <p:nvPr>
+            <p:ph type="ctrTitle"/>
+          </p:nvPr>
+        </p:nvSpPr>
+        <p:spPr>
+          <a:xfrm>
+            <a:off x="1524000" y="126683"/>
+            <a:ext cx="9144000" cy="1092517"/>
+          </a:xfrm>
+        </p:spPr>
+        <p:txBody>
+          <a:bodyPr>
+            <a:normAutofit/>
+          </a:bodyPr>
+          <a:lstStyle/>
+          <a:p>
+            <a:r>
+              <a:rPr lang="en-US" dirty="0"/>
+              <a:t>Machine Learning</a:t>
+            </a:r>
+            <a:endParaRPr lang="en-GB" dirty="0"/>
+          </a:p>
+        </p:txBody>
+      </p:sp>
+      <p:sp>
+        <p:nvSpPr>
+          <p:cNvPr id="3" name="Subtitle 2">
+            <a:extLst>
+              <a:ext uri="{FF2B5EF4-FFF2-40B4-BE49-F238E27FC236}">
+                <a16:creationId xmlns:a16="http://schemas.microsoft.com/office/drawing/2014/main" id="{52B3E6A0-E3CA-1AA5-09C6-D89B2026A158}"/>
+              </a:ext>
+            </a:extLst>
+          </p:cNvPr>
+          <p:cNvSpPr>
+            <a:spLocks noGrp="1"/>
+          </p:cNvSpPr>
+          <p:nvPr>
+            <p:ph type="subTitle" idx="1"/>
+          </p:nvPr>
+        </p:nvSpPr>
+        <p:spPr>
+          <a:xfrm>
+            <a:off x="1524000" y="1666243"/>
+            <a:ext cx="4419600" cy="4307836"/>
+          </a:xfrm>
+        </p:spPr>
+        <p:txBody>
+          <a:bodyPr/>
+          <a:lstStyle/>
+          <a:p>
+            <a:pPr marL="342900" indent="-342900" algn="l">
+              <a:buFont typeface="Arial" panose="020B0604020202020204" pitchFamily="34" charset="0"/>
+              <a:buChar char="•"/>
+            </a:pPr>
+            <a:r>
+              <a:rPr lang="en-US" sz="3200" dirty="0"/>
+              <a:t>GNN approach </a:t>
+            </a:r>
+          </a:p>
+          <a:p>
+            <a:pPr marL="342900" indent="-342900" algn="l">
+              <a:buFont typeface="Arial" panose="020B0604020202020204" pitchFamily="34" charset="0"/>
+              <a:buChar char="•"/>
+            </a:pPr>
+            <a:r>
+              <a:rPr lang="en-US" sz="3200" dirty="0"/>
+              <a:t>Matrix factorization approach</a:t>
+            </a:r>
+          </a:p>
+          <a:p>
+            <a:pPr marL="342900" indent="-342900" algn="l">
+              <a:buFont typeface="Arial" panose="020B0604020202020204" pitchFamily="34" charset="0"/>
+              <a:buChar char="•"/>
+            </a:pPr>
+            <a:r>
+              <a:rPr lang="en-US" sz="3200" dirty="0"/>
+              <a:t>Use wider trends and patterns in the data</a:t>
+            </a:r>
+          </a:p>
+          <a:p>
+            <a:pPr marL="342900" indent="-342900" algn="l">
+              <a:buFont typeface="Arial" panose="020B0604020202020204" pitchFamily="34" charset="0"/>
+              <a:buChar char="•"/>
+            </a:pPr>
+            <a:r>
+              <a:rPr lang="en-US" sz="3200" dirty="0"/>
+              <a:t>Train on one set and predict on another</a:t>
+            </a:r>
+          </a:p>
+          <a:p>
+            <a:pPr marL="342900" indent="-342900" algn="l">
+              <a:buFont typeface="Arial" panose="020B0604020202020204" pitchFamily="34" charset="0"/>
+              <a:buChar char="•"/>
+            </a:pPr>
+            <a:endParaRPr lang="en-US" sz="3200" dirty="0"/>
+          </a:p>
+          <a:p>
+            <a:pPr algn="l"/>
+            <a:endParaRPr lang="en-GB" dirty="0"/>
+          </a:p>
+        </p:txBody>
+      </p:sp>
+      <p:cxnSp>
+        <p:nvCxnSpPr>
+          <p:cNvPr id="5" name="Straight Connector 4">
+            <a:extLst>
+              <a:ext uri="{FF2B5EF4-FFF2-40B4-BE49-F238E27FC236}">
+                <a16:creationId xmlns:a16="http://schemas.microsoft.com/office/drawing/2014/main" id="{B9F3328E-C3CD-7114-A1B2-6B05CB1D79B2}"/>
+              </a:ext>
+            </a:extLst>
+          </p:cNvPr>
+          <p:cNvCxnSpPr>
+            <a:cxnSpLocks/>
+          </p:cNvCxnSpPr>
+          <p:nvPr/>
+        </p:nvCxnSpPr>
+        <p:spPr>
+          <a:xfrm>
+            <a:off x="335280" y="1336358"/>
+            <a:ext cx="11856720" cy="0"/>
+          </a:xfrm>
+          <a:prstGeom prst="line">
+            <a:avLst/>
+          </a:prstGeom>
+        </p:spPr>
+        <p:style>
+          <a:lnRef idx="2">
+            <a:schemeClr val="accent1"/>
+          </a:lnRef>
+          <a:fillRef idx="0">
+            <a:schemeClr val="accent1"/>
+          </a:fillRef>
+          <a:effectRef idx="1">
+            <a:schemeClr val="accent1"/>
+          </a:effectRef>
+          <a:fontRef idx="minor">
+            <a:schemeClr val="tx1"/>
+          </a:fontRef>
+        </p:style>
+      </p:cxnSp>
+      <p:cxnSp>
+        <p:nvCxnSpPr>
+          <p:cNvPr id="7" name="Straight Connector 6">
+            <a:extLst>
+              <a:ext uri="{FF2B5EF4-FFF2-40B4-BE49-F238E27FC236}">
+                <a16:creationId xmlns:a16="http://schemas.microsoft.com/office/drawing/2014/main" id="{2B2683F1-176E-8CA3-DF22-91A9E0B8C2B6}"/>
+              </a:ext>
+            </a:extLst>
+          </p:cNvPr>
+          <p:cNvCxnSpPr/>
+          <p:nvPr/>
+        </p:nvCxnSpPr>
+        <p:spPr>
+          <a:xfrm flipV="1">
+            <a:off x="-121920" y="-152400"/>
+            <a:ext cx="1645920" cy="2072640"/>
+          </a:xfrm>
+          <a:prstGeom prst="line">
+            <a:avLst/>
+          </a:prstGeom>
+        </p:spPr>
+        <p:style>
+          <a:lnRef idx="2">
+            <a:schemeClr val="accent1"/>
+          </a:lnRef>
+          <a:fillRef idx="0">
+            <a:schemeClr val="accent1"/>
+          </a:fillRef>
+          <a:effectRef idx="1">
+            <a:schemeClr val="accent1"/>
+          </a:effectRef>
+          <a:fontRef idx="minor">
+            <a:schemeClr val="tx1"/>
+          </a:fontRef>
+        </p:style>
+      </p:cxnSp>
+      <p:cxnSp>
+        <p:nvCxnSpPr>
+          <p:cNvPr id="9" name="Straight Connector 8">
+            <a:extLst>
+              <a:ext uri="{FF2B5EF4-FFF2-40B4-BE49-F238E27FC236}">
+                <a16:creationId xmlns:a16="http://schemas.microsoft.com/office/drawing/2014/main" id="{18DA7C77-4739-CD3F-0EC8-89FD19991AF0}"/>
+              </a:ext>
+            </a:extLst>
+          </p:cNvPr>
+          <p:cNvCxnSpPr/>
+          <p:nvPr/>
+        </p:nvCxnSpPr>
+        <p:spPr>
+          <a:xfrm flipV="1">
+            <a:off x="-294640" y="-152400"/>
+            <a:ext cx="1351280" cy="1656080"/>
+          </a:xfrm>
+          <a:prstGeom prst="line">
+            <a:avLst/>
+          </a:prstGeom>
+        </p:spPr>
+        <p:style>
+          <a:lnRef idx="2">
+            <a:schemeClr val="accent1"/>
+          </a:lnRef>
+          <a:fillRef idx="0">
+            <a:schemeClr val="accent1"/>
+          </a:fillRef>
+          <a:effectRef idx="1">
+            <a:schemeClr val="accent1"/>
+          </a:effectRef>
+          <a:fontRef idx="minor">
+            <a:schemeClr val="tx1"/>
+          </a:fontRef>
+        </p:style>
+      </p:cxnSp>
+      <p:cxnSp>
+        <p:nvCxnSpPr>
+          <p:cNvPr id="11" name="Straight Connector 10">
+            <a:extLst>
+              <a:ext uri="{FF2B5EF4-FFF2-40B4-BE49-F238E27FC236}">
+                <a16:creationId xmlns:a16="http://schemas.microsoft.com/office/drawing/2014/main" id="{D799A568-C6B8-0DC3-10B8-ADE0DD52EF0E}"/>
+              </a:ext>
+            </a:extLst>
+          </p:cNvPr>
+          <p:cNvCxnSpPr/>
+          <p:nvPr/>
+        </p:nvCxnSpPr>
+        <p:spPr>
+          <a:xfrm flipV="1">
+            <a:off x="-193040" y="-152400"/>
+            <a:ext cx="812800" cy="955040"/>
+          </a:xfrm>
+          <a:prstGeom prst="line">
+            <a:avLst/>
+          </a:prstGeom>
+        </p:spPr>
+        <p:style>
+          <a:lnRef idx="2">
+            <a:schemeClr val="accent1"/>
+          </a:lnRef>
+          <a:fillRef idx="0">
+            <a:schemeClr val="accent1"/>
+          </a:fillRef>
+          <a:effectRef idx="1">
+            <a:schemeClr val="accent1"/>
+          </a:effectRef>
+          <a:fontRef idx="minor">
+            <a:schemeClr val="tx1"/>
+          </a:fontRef>
+        </p:style>
+      </p:cxnSp>
+      <p:grpSp>
+        <p:nvGrpSpPr>
+          <p:cNvPr id="4" name="Group 3">
+            <a:extLst>
+              <a:ext uri="{FF2B5EF4-FFF2-40B4-BE49-F238E27FC236}">
+                <a16:creationId xmlns:a16="http://schemas.microsoft.com/office/drawing/2014/main" id="{769B05E9-4747-14F9-D2C6-B39048FCB4CB}"/>
+              </a:ext>
+            </a:extLst>
+          </p:cNvPr>
+          <p:cNvGrpSpPr/>
+          <p:nvPr/>
+        </p:nvGrpSpPr>
+        <p:grpSpPr>
+          <a:xfrm>
+            <a:off x="10566400" y="4683760"/>
+            <a:ext cx="2032000" cy="2336796"/>
+            <a:chOff x="10566400" y="4683760"/>
+            <a:chExt cx="2032000" cy="2336796"/>
+          </a:xfrm>
+        </p:grpSpPr>
+        <p:sp>
+          <p:nvSpPr>
+            <p:cNvPr id="6" name="Rectangle 5">
+              <a:extLst>
+                <a:ext uri="{FF2B5EF4-FFF2-40B4-BE49-F238E27FC236}">
+                  <a16:creationId xmlns:a16="http://schemas.microsoft.com/office/drawing/2014/main" id="{031F9AE7-C9FA-C965-6FE0-E4A92E076470}"/>
+                </a:ext>
+              </a:extLst>
+            </p:cNvPr>
+            <p:cNvSpPr/>
+            <p:nvPr/>
+          </p:nvSpPr>
+          <p:spPr>
+            <a:xfrm>
+              <a:off x="11308080" y="4683760"/>
+              <a:ext cx="1290320" cy="1564640"/>
+            </a:xfrm>
+            <a:prstGeom prst="rect">
+              <a:avLst/>
+            </a:prstGeom>
+            <a:solidFill>
+              <a:srgbClr val="048D94"/>
+            </a:solidFill>
+            <a:ln>
+              <a:noFill/>
+            </a:ln>
+          </p:spPr>
+          <p:style>
+            <a:lnRef idx="2">
+              <a:schemeClr val="accent1">
+                <a:shade val="15000"/>
+              </a:schemeClr>
+            </a:lnRef>
+            <a:fillRef idx="1">
+              <a:schemeClr val="accent1"/>
+            </a:fillRef>
+            <a:effectRef idx="0">
+              <a:schemeClr val="accent1"/>
+            </a:effectRef>
+            <a:fontRef idx="minor">
+              <a:schemeClr val="lt1"/>
+            </a:fontRef>
+          </p:style>
+          <p:txBody>
+            <a:bodyPr rtlCol="0" anchor="ctr"/>
+            <a:lstStyle/>
+            <a:p>
+              <a:pPr algn="ctr"/>
+              <a:endParaRPr lang="en-GB"/>
+            </a:p>
+          </p:txBody>
+        </p:sp>
+        <p:sp>
+          <p:nvSpPr>
+            <p:cNvPr id="8" name="Rectangle 7">
+              <a:extLst>
+                <a:ext uri="{FF2B5EF4-FFF2-40B4-BE49-F238E27FC236}">
+                  <a16:creationId xmlns:a16="http://schemas.microsoft.com/office/drawing/2014/main" id="{BA464245-7642-647A-3008-F73F8CA9698C}"/>
+                </a:ext>
+              </a:extLst>
+            </p:cNvPr>
+            <p:cNvSpPr/>
+            <p:nvPr/>
+          </p:nvSpPr>
+          <p:spPr>
+            <a:xfrm>
+              <a:off x="10566400" y="5537200"/>
+              <a:ext cx="1849120" cy="1483356"/>
+            </a:xfrm>
+            <a:prstGeom prst="rect">
+              <a:avLst/>
+            </a:prstGeom>
+            <a:solidFill>
+              <a:srgbClr val="156082"/>
+            </a:solidFill>
+            <a:ln>
+              <a:solidFill>
+                <a:schemeClr val="accent1"/>
+              </a:solidFill>
+            </a:ln>
+          </p:spPr>
+          <p:style>
+            <a:lnRef idx="2">
+              <a:schemeClr val="accent1">
+                <a:shade val="15000"/>
+              </a:schemeClr>
+            </a:lnRef>
+            <a:fillRef idx="1">
+              <a:schemeClr val="accent1"/>
+            </a:fillRef>
+            <a:effectRef idx="0">
+              <a:schemeClr val="accent1"/>
+            </a:effectRef>
+            <a:fontRef idx="minor">
+              <a:schemeClr val="lt1"/>
+            </a:fontRef>
+          </p:style>
+          <p:txBody>
+            <a:bodyPr rtlCol="0" anchor="ctr"/>
+            <a:lstStyle/>
+            <a:p>
+              <a:pPr algn="ctr"/>
+              <a:endParaRPr lang="en-GB"/>
+            </a:p>
+          </p:txBody>
+        </p:sp>
+        <p:sp>
+          <p:nvSpPr>
+            <p:cNvPr id="10" name="Rectangle 9">
+              <a:extLst>
+                <a:ext uri="{FF2B5EF4-FFF2-40B4-BE49-F238E27FC236}">
+                  <a16:creationId xmlns:a16="http://schemas.microsoft.com/office/drawing/2014/main" id="{ED6DECAD-D562-03F8-C30C-A48107DD6FCD}"/>
+                </a:ext>
+              </a:extLst>
+            </p:cNvPr>
+            <p:cNvSpPr/>
+            <p:nvPr/>
+          </p:nvSpPr>
+          <p:spPr>
+            <a:xfrm>
+              <a:off x="11074400" y="5313680"/>
+              <a:ext cx="548640" cy="711200"/>
+            </a:xfrm>
+            <a:prstGeom prst="rect">
+              <a:avLst/>
+            </a:prstGeom>
+            <a:solidFill>
+              <a:srgbClr val="12CFEE"/>
+            </a:solidFill>
+            <a:ln>
+              <a:noFill/>
+            </a:ln>
+          </p:spPr>
+          <p:style>
+            <a:lnRef idx="2">
+              <a:schemeClr val="accent1">
+                <a:shade val="15000"/>
+              </a:schemeClr>
+            </a:lnRef>
+            <a:fillRef idx="1">
+              <a:schemeClr val="accent1"/>
+            </a:fillRef>
+            <a:effectRef idx="0">
+              <a:schemeClr val="accent1"/>
+            </a:effectRef>
+            <a:fontRef idx="minor">
+              <a:schemeClr val="lt1"/>
+            </a:fontRef>
+          </p:style>
+          <p:txBody>
+            <a:bodyPr rtlCol="0" anchor="ctr"/>
+            <a:lstStyle/>
+            <a:p>
+              <a:pPr algn="ctr"/>
+              <a:endParaRPr lang="en-GB"/>
+            </a:p>
+          </p:txBody>
+        </p:sp>
+      </p:grpSp>
+      <p:pic>
+        <p:nvPicPr>
+          <p:cNvPr id="13" name="Picture 12" descr="A blue and black network&#10;&#10;Description automatically generated">
+            <a:extLst>
+              <a:ext uri="{FF2B5EF4-FFF2-40B4-BE49-F238E27FC236}">
+                <a16:creationId xmlns:a16="http://schemas.microsoft.com/office/drawing/2014/main" id="{1FD5316E-AFEE-0F69-879A-B8D24E81C397}"/>
+              </a:ext>
+            </a:extLst>
+          </p:cNvPr>
+          <p:cNvPicPr>
+            <a:picLocks noChangeAspect="1"/>
+          </p:cNvPicPr>
+          <p:nvPr/>
+        </p:nvPicPr>
+        <p:blipFill>
+          <a:blip r:embed="rId2">
+            <a:extLst>
+              <a:ext uri="{28A0092B-C50C-407E-A947-70E740481C1C}">
+                <a14:useLocalDpi xmlns:a14="http://schemas.microsoft.com/office/drawing/2010/main" val="0"/>
+              </a:ext>
+            </a:extLst>
+          </a:blip>
+          <a:stretch>
+            <a:fillRect/>
+          </a:stretch>
+        </p:blipFill>
+        <p:spPr>
+          <a:xfrm>
+            <a:off x="107267" y="5213760"/>
+            <a:ext cx="1315134" cy="1473477"/>
+          </a:xfrm>
+          <a:prstGeom prst="rect">
+            <a:avLst/>
+          </a:prstGeom>
+        </p:spPr>
+      </p:pic>
+      <p:pic>
+        <p:nvPicPr>
+          <p:cNvPr id="14" name="Picture 13" descr="A diagram of a network&#10;&#10;Description automatically generated">
+            <a:extLst>
+              <a:ext uri="{FF2B5EF4-FFF2-40B4-BE49-F238E27FC236}">
+                <a16:creationId xmlns:a16="http://schemas.microsoft.com/office/drawing/2014/main" id="{4D483386-CD3C-C9B5-DD2E-157831EADB23}"/>
+              </a:ext>
+            </a:extLst>
+          </p:cNvPr>
+          <p:cNvPicPr>
+            <a:picLocks noChangeAspect="1"/>
+          </p:cNvPicPr>
+          <p:nvPr/>
+        </p:nvPicPr>
+        <p:blipFill>
+          <a:blip r:embed="rId3">
+            <a:extLst>
+              <a:ext uri="{28A0092B-C50C-407E-A947-70E740481C1C}">
+                <a14:useLocalDpi xmlns:a14="http://schemas.microsoft.com/office/drawing/2010/main" val="0"/>
+              </a:ext>
+            </a:extLst>
+          </a:blip>
+          <a:stretch>
+            <a:fillRect/>
+          </a:stretch>
+        </p:blipFill>
+        <p:spPr>
+          <a:xfrm>
+            <a:off x="6783878" y="1949374"/>
+            <a:ext cx="4502381" cy="2959252"/>
+          </a:xfrm>
+          <a:prstGeom prst="rect">
+            <a:avLst/>
+          </a:prstGeom>
+        </p:spPr>
+      </p:pic>
+    </p:spTree>
+    <p:extLst>
+      <p:ext uri="{BB962C8B-B14F-4D97-AF65-F5344CB8AC3E}">
+        <p14:creationId xmlns:p14="http://schemas.microsoft.com/office/powerpoint/2010/main" val="3442309527"/>
+      </p:ext>
+    </p:extLst>
+  </p:cSld>
+  <p:clrMapOvr>
+    <a:masterClrMapping/>
+  </p:clrMapOvr>
+</p:sld>
+</file>
+
+<file path=ppt/slides/slide6.xml><?xml version="1.0" encoding="utf-8"?>
+<p:sld xmlns:a="http://schemas.openxmlformats.org/drawingml/2006/main" xmlns:r="http://schemas.openxmlformats.org/officeDocument/2006/relationships" xmlns:p="http://schemas.openxmlformats.org/presentationml/2006/main">
+  <p:cSld>
+    <p:spTree>
+      <p:nvGrpSpPr>
+        <p:cNvPr id="1" name=""/>
+        <p:cNvGrpSpPr/>
+        <p:nvPr/>
+      </p:nvGrpSpPr>
+      <p:grpSpPr>
+        <a:xfrm>
+          <a:off x="0" y="0"/>
+          <a:ext cx="0" cy="0"/>
+          <a:chOff x="0" y="0"/>
+          <a:chExt cx="0" cy="0"/>
+        </a:xfrm>
+      </p:grpSpPr>
+      <p:sp>
+        <p:nvSpPr>
+          <p:cNvPr id="2" name="Title 1">
+            <a:extLst>
+              <a:ext uri="{FF2B5EF4-FFF2-40B4-BE49-F238E27FC236}">
+                <a16:creationId xmlns:a16="http://schemas.microsoft.com/office/drawing/2014/main" id="{BF9E1784-A472-810C-7F59-436DDC1D8C4B}"/>
+              </a:ext>
+            </a:extLst>
+          </p:cNvPr>
+          <p:cNvSpPr>
+            <a:spLocks noGrp="1"/>
+          </p:cNvSpPr>
+          <p:nvPr>
+            <p:ph type="ctrTitle"/>
+          </p:nvPr>
+        </p:nvSpPr>
+        <p:spPr>
+          <a:xfrm>
+            <a:off x="1524000" y="126683"/>
+            <a:ext cx="9144000" cy="1092517"/>
+          </a:xfrm>
+        </p:spPr>
+        <p:txBody>
+          <a:bodyPr>
+            <a:normAutofit/>
+          </a:bodyPr>
+          <a:lstStyle/>
+          <a:p>
+            <a:r>
+              <a:rPr lang="en-US" dirty="0"/>
+              <a:t>Research Questions</a:t>
+            </a:r>
+            <a:endParaRPr lang="en-GB" dirty="0"/>
+          </a:p>
+        </p:txBody>
+      </p:sp>
+      <p:sp>
+        <p:nvSpPr>
+          <p:cNvPr id="3" name="Subtitle 2">
+            <a:extLst>
+              <a:ext uri="{FF2B5EF4-FFF2-40B4-BE49-F238E27FC236}">
+                <a16:creationId xmlns:a16="http://schemas.microsoft.com/office/drawing/2014/main" id="{52B3E6A0-E3CA-1AA5-09C6-D89B2026A158}"/>
+              </a:ext>
+            </a:extLst>
+          </p:cNvPr>
+          <p:cNvSpPr>
+            <a:spLocks noGrp="1"/>
+          </p:cNvSpPr>
+          <p:nvPr>
+            <p:ph type="subTitle" idx="1"/>
+          </p:nvPr>
+        </p:nvSpPr>
+        <p:spPr>
+          <a:xfrm>
+            <a:off x="1524000" y="1666243"/>
+            <a:ext cx="9144000" cy="4307836"/>
+          </a:xfrm>
+        </p:spPr>
+        <p:txBody>
+          <a:bodyPr/>
+          <a:lstStyle/>
+          <a:p>
+            <a:pPr marL="342900" indent="-342900" algn="l">
+              <a:buFont typeface="Arial" panose="020B0604020202020204" pitchFamily="34" charset="0"/>
+              <a:buChar char="•"/>
+            </a:pPr>
+            <a:r>
+              <a:rPr lang="en-US" sz="3200" b="1" dirty="0"/>
+              <a:t>RQ1: </a:t>
+            </a:r>
+            <a:r>
+              <a:rPr lang="en-US" sz="3200" dirty="0"/>
+              <a:t>What is the effect of edge weight on ABC prediction system?</a:t>
+            </a:r>
+          </a:p>
+          <a:p>
+            <a:pPr algn="l"/>
+            <a:endParaRPr lang="en-US" sz="3200" dirty="0"/>
+          </a:p>
+          <a:p>
+            <a:pPr marL="342900" indent="-342900" algn="l">
+              <a:buFont typeface="Arial" panose="020B0604020202020204" pitchFamily="34" charset="0"/>
+              <a:buChar char="•"/>
+            </a:pPr>
+            <a:r>
+              <a:rPr lang="en-US" sz="3200" b="1" dirty="0"/>
+              <a:t>RQ2: </a:t>
+            </a:r>
+            <a:r>
+              <a:rPr lang="en-US" sz="3200" dirty="0"/>
+              <a:t>How do the three systems compare to each other?</a:t>
+            </a:r>
+          </a:p>
+          <a:p>
+            <a:pPr algn="l"/>
+            <a:endParaRPr lang="en-US" sz="3200" dirty="0"/>
+          </a:p>
+          <a:p>
+            <a:pPr marL="342900" indent="-342900" algn="l">
+              <a:buFont typeface="Arial" panose="020B0604020202020204" pitchFamily="34" charset="0"/>
+              <a:buChar char="•"/>
+            </a:pPr>
+            <a:r>
+              <a:rPr lang="en-US" sz="3200" b="1" dirty="0"/>
+              <a:t>RQ3: </a:t>
+            </a:r>
+            <a:r>
+              <a:rPr lang="en-US" sz="3200" dirty="0"/>
+              <a:t>Can the systems be combined to create a better prediction system?</a:t>
             </a:r>
           </a:p>
           <a:p>
@@ -5307,7 +7455,7 @@
 </p:sld>
 </file>
 
-<file path=ppt/slides/slide5.xml><?xml version="1.0" encoding="utf-8"?>
+<file path=ppt/slides/slide7.xml><?xml version="1.0" encoding="utf-8"?>
 <p:sld xmlns:a="http://schemas.openxmlformats.org/drawingml/2006/main" xmlns:r="http://schemas.openxmlformats.org/officeDocument/2006/relationships" xmlns:p="http://schemas.openxmlformats.org/presentationml/2006/main">
   <p:cSld>
     <p:spTree>
@@ -5834,7 +7982,7 @@
 </p:sld>
 </file>
 
-<file path=ppt/slides/slide6.xml><?xml version="1.0" encoding="utf-8"?>
+<file path=ppt/slides/slide8.xml><?xml version="1.0" encoding="utf-8"?>
 <p:sld xmlns:a="http://schemas.openxmlformats.org/drawingml/2006/main" xmlns:r="http://schemas.openxmlformats.org/officeDocument/2006/relationships" xmlns:p="http://schemas.openxmlformats.org/presentationml/2006/main">
   <p:cSld>
     <p:spTree>
@@ -5920,42 +8068,12 @@
               <a:buChar char="•"/>
             </a:pPr>
             <a:r>
+              <a:rPr lang="en-US" sz="3200" b="1" dirty="0"/>
+              <a:t>RQ1: </a:t>
+            </a:r>
+            <a:r>
               <a:rPr lang="en-US" sz="3200" dirty="0"/>
-              <a:t>RQ1: The weight of the edges reduced the quality of the ABC system’s predictions</a:t>
-            </a:r>
-          </a:p>
-          <a:p>
-            <a:pPr marL="342900" indent="-342900" algn="l">
-              <a:buFont typeface="Arial" panose="020B0604020202020204" pitchFamily="34" charset="0"/>
-              <a:buChar char="•"/>
-            </a:pPr>
-            <a:endParaRPr lang="en-US" sz="3200" dirty="0"/>
-          </a:p>
-          <a:p>
-            <a:pPr marL="342900" indent="-342900" algn="l">
-              <a:buFont typeface="Arial" panose="020B0604020202020204" pitchFamily="34" charset="0"/>
-              <a:buChar char="•"/>
-            </a:pPr>
-            <a:r>
-              <a:rPr lang="en-US" sz="3200" dirty="0"/>
-              <a:t>RQ2: The ABC system performed the best</a:t>
-            </a:r>
-          </a:p>
-          <a:p>
-            <a:pPr marL="342900" indent="-342900" algn="l">
-              <a:buFont typeface="Arial" panose="020B0604020202020204" pitchFamily="34" charset="0"/>
-              <a:buChar char="•"/>
-            </a:pPr>
-            <a:endParaRPr lang="en-US" sz="3200" dirty="0"/>
-          </a:p>
-          <a:p>
-            <a:pPr marL="342900" indent="-342900" algn="l">
-              <a:buFont typeface="Arial" panose="020B0604020202020204" pitchFamily="34" charset="0"/>
-              <a:buChar char="•"/>
-            </a:pPr>
-            <a:r>
-              <a:rPr lang="en-US" sz="3200" dirty="0"/>
-              <a:t>RQ3: The combinations, showed potential in being better, but did not prove that they are.</a:t>
+              <a:t>What is the effect of edge weight on ABC prediction system?</a:t>
             </a:r>
           </a:p>
         </p:txBody>
@@ -6321,10 +8439,552 @@
           </a:prstGeom>
         </p:spPr>
       </p:pic>
+      <p:pic>
+        <p:nvPicPr>
+          <p:cNvPr id="14" name="Picture 13" descr="A table with numbers and a number of points&#10;&#10;Description automatically generated with medium confidence">
+            <a:extLst>
+              <a:ext uri="{FF2B5EF4-FFF2-40B4-BE49-F238E27FC236}">
+                <a16:creationId xmlns:a16="http://schemas.microsoft.com/office/drawing/2014/main" id="{4187D13A-6074-5110-3428-4A2DC6E1AABE}"/>
+              </a:ext>
+            </a:extLst>
+          </p:cNvPr>
+          <p:cNvPicPr>
+            <a:picLocks noChangeAspect="1"/>
+          </p:cNvPicPr>
+          <p:nvPr/>
+        </p:nvPicPr>
+        <p:blipFill>
+          <a:blip r:embed="rId3">
+            <a:extLst>
+              <a:ext uri="{28A0092B-C50C-407E-A947-70E740481C1C}">
+                <a14:useLocalDpi xmlns:a14="http://schemas.microsoft.com/office/drawing/2010/main" val="0"/>
+              </a:ext>
+            </a:extLst>
+          </a:blip>
+          <a:stretch>
+            <a:fillRect/>
+          </a:stretch>
+        </p:blipFill>
+        <p:spPr>
+          <a:xfrm>
+            <a:off x="1743745" y="2931758"/>
+            <a:ext cx="8538175" cy="2737522"/>
+          </a:xfrm>
+          <a:prstGeom prst="rect">
+            <a:avLst/>
+          </a:prstGeom>
+        </p:spPr>
+      </p:pic>
     </p:spTree>
     <p:extLst>
       <p:ext uri="{BB962C8B-B14F-4D97-AF65-F5344CB8AC3E}">
         <p14:creationId xmlns:p14="http://schemas.microsoft.com/office/powerpoint/2010/main" val="4142253105"/>
+      </p:ext>
+    </p:extLst>
+  </p:cSld>
+  <p:clrMapOvr>
+    <a:masterClrMapping/>
+  </p:clrMapOvr>
+</p:sld>
+</file>
+
+<file path=ppt/slides/slide9.xml><?xml version="1.0" encoding="utf-8"?>
+<p:sld xmlns:a="http://schemas.openxmlformats.org/drawingml/2006/main" xmlns:r="http://schemas.openxmlformats.org/officeDocument/2006/relationships" xmlns:p="http://schemas.openxmlformats.org/presentationml/2006/main">
+  <p:cSld>
+    <p:spTree>
+      <p:nvGrpSpPr>
+        <p:cNvPr id="1" name=""/>
+        <p:cNvGrpSpPr/>
+        <p:nvPr/>
+      </p:nvGrpSpPr>
+      <p:grpSpPr>
+        <a:xfrm>
+          <a:off x="0" y="0"/>
+          <a:ext cx="0" cy="0"/>
+          <a:chOff x="0" y="0"/>
+          <a:chExt cx="0" cy="0"/>
+        </a:xfrm>
+      </p:grpSpPr>
+      <p:sp>
+        <p:nvSpPr>
+          <p:cNvPr id="2" name="Title 1">
+            <a:extLst>
+              <a:ext uri="{FF2B5EF4-FFF2-40B4-BE49-F238E27FC236}">
+                <a16:creationId xmlns:a16="http://schemas.microsoft.com/office/drawing/2014/main" id="{BF9E1784-A472-810C-7F59-436DDC1D8C4B}"/>
+              </a:ext>
+            </a:extLst>
+          </p:cNvPr>
+          <p:cNvSpPr>
+            <a:spLocks noGrp="1"/>
+          </p:cNvSpPr>
+          <p:nvPr>
+            <p:ph type="ctrTitle"/>
+          </p:nvPr>
+        </p:nvSpPr>
+        <p:spPr>
+          <a:xfrm>
+            <a:off x="1524000" y="126683"/>
+            <a:ext cx="9144000" cy="1092517"/>
+          </a:xfrm>
+        </p:spPr>
+        <p:txBody>
+          <a:bodyPr>
+            <a:normAutofit/>
+          </a:bodyPr>
+          <a:lstStyle/>
+          <a:p>
+            <a:r>
+              <a:rPr lang="en-US" dirty="0"/>
+              <a:t>Evaluation</a:t>
+            </a:r>
+            <a:endParaRPr lang="en-GB" dirty="0"/>
+          </a:p>
+        </p:txBody>
+      </p:sp>
+      <p:sp>
+        <p:nvSpPr>
+          <p:cNvPr id="3" name="Subtitle 2">
+            <a:extLst>
+              <a:ext uri="{FF2B5EF4-FFF2-40B4-BE49-F238E27FC236}">
+                <a16:creationId xmlns:a16="http://schemas.microsoft.com/office/drawing/2014/main" id="{52B3E6A0-E3CA-1AA5-09C6-D89B2026A158}"/>
+              </a:ext>
+            </a:extLst>
+          </p:cNvPr>
+          <p:cNvSpPr>
+            <a:spLocks noGrp="1"/>
+          </p:cNvSpPr>
+          <p:nvPr>
+            <p:ph type="subTitle" idx="1"/>
+          </p:nvPr>
+        </p:nvSpPr>
+        <p:spPr>
+          <a:xfrm>
+            <a:off x="1524000" y="1666243"/>
+            <a:ext cx="9144000" cy="4307836"/>
+          </a:xfrm>
+        </p:spPr>
+        <p:txBody>
+          <a:bodyPr>
+            <a:normAutofit/>
+          </a:bodyPr>
+          <a:lstStyle/>
+          <a:p>
+            <a:pPr marL="342900" indent="-342900" algn="l">
+              <a:buFont typeface="Arial" panose="020B0604020202020204" pitchFamily="34" charset="0"/>
+              <a:buChar char="•"/>
+            </a:pPr>
+            <a:r>
+              <a:rPr lang="en-US" sz="3200" b="1" dirty="0"/>
+              <a:t>RQ2: </a:t>
+            </a:r>
+            <a:r>
+              <a:rPr lang="en-US" sz="3200" dirty="0"/>
+              <a:t>How do the three systems compare to each other?</a:t>
+            </a:r>
+          </a:p>
+        </p:txBody>
+      </p:sp>
+      <p:cxnSp>
+        <p:nvCxnSpPr>
+          <p:cNvPr id="5" name="Straight Connector 4">
+            <a:extLst>
+              <a:ext uri="{FF2B5EF4-FFF2-40B4-BE49-F238E27FC236}">
+                <a16:creationId xmlns:a16="http://schemas.microsoft.com/office/drawing/2014/main" id="{B9F3328E-C3CD-7114-A1B2-6B05CB1D79B2}"/>
+              </a:ext>
+            </a:extLst>
+          </p:cNvPr>
+          <p:cNvCxnSpPr>
+            <a:cxnSpLocks/>
+          </p:cNvCxnSpPr>
+          <p:nvPr/>
+        </p:nvCxnSpPr>
+        <p:spPr>
+          <a:xfrm>
+            <a:off x="335280" y="1336358"/>
+            <a:ext cx="11856720" cy="0"/>
+          </a:xfrm>
+          <a:prstGeom prst="line">
+            <a:avLst/>
+          </a:prstGeom>
+        </p:spPr>
+        <p:style>
+          <a:lnRef idx="2">
+            <a:schemeClr val="accent1"/>
+          </a:lnRef>
+          <a:fillRef idx="0">
+            <a:schemeClr val="accent1"/>
+          </a:fillRef>
+          <a:effectRef idx="1">
+            <a:schemeClr val="accent1"/>
+          </a:effectRef>
+          <a:fontRef idx="minor">
+            <a:schemeClr val="tx1"/>
+          </a:fontRef>
+        </p:style>
+      </p:cxnSp>
+      <p:cxnSp>
+        <p:nvCxnSpPr>
+          <p:cNvPr id="7" name="Straight Connector 6">
+            <a:extLst>
+              <a:ext uri="{FF2B5EF4-FFF2-40B4-BE49-F238E27FC236}">
+                <a16:creationId xmlns:a16="http://schemas.microsoft.com/office/drawing/2014/main" id="{2B2683F1-176E-8CA3-DF22-91A9E0B8C2B6}"/>
+              </a:ext>
+            </a:extLst>
+          </p:cNvPr>
+          <p:cNvCxnSpPr/>
+          <p:nvPr/>
+        </p:nvCxnSpPr>
+        <p:spPr>
+          <a:xfrm flipV="1">
+            <a:off x="-121920" y="-152400"/>
+            <a:ext cx="1645920" cy="2072640"/>
+          </a:xfrm>
+          <a:prstGeom prst="line">
+            <a:avLst/>
+          </a:prstGeom>
+        </p:spPr>
+        <p:style>
+          <a:lnRef idx="2">
+            <a:schemeClr val="accent1"/>
+          </a:lnRef>
+          <a:fillRef idx="0">
+            <a:schemeClr val="accent1"/>
+          </a:fillRef>
+          <a:effectRef idx="1">
+            <a:schemeClr val="accent1"/>
+          </a:effectRef>
+          <a:fontRef idx="minor">
+            <a:schemeClr val="tx1"/>
+          </a:fontRef>
+        </p:style>
+      </p:cxnSp>
+      <p:cxnSp>
+        <p:nvCxnSpPr>
+          <p:cNvPr id="9" name="Straight Connector 8">
+            <a:extLst>
+              <a:ext uri="{FF2B5EF4-FFF2-40B4-BE49-F238E27FC236}">
+                <a16:creationId xmlns:a16="http://schemas.microsoft.com/office/drawing/2014/main" id="{18DA7C77-4739-CD3F-0EC8-89FD19991AF0}"/>
+              </a:ext>
+            </a:extLst>
+          </p:cNvPr>
+          <p:cNvCxnSpPr/>
+          <p:nvPr/>
+        </p:nvCxnSpPr>
+        <p:spPr>
+          <a:xfrm flipV="1">
+            <a:off x="-294640" y="-152400"/>
+            <a:ext cx="1351280" cy="1656080"/>
+          </a:xfrm>
+          <a:prstGeom prst="line">
+            <a:avLst/>
+          </a:prstGeom>
+        </p:spPr>
+        <p:style>
+          <a:lnRef idx="2">
+            <a:schemeClr val="accent1"/>
+          </a:lnRef>
+          <a:fillRef idx="0">
+            <a:schemeClr val="accent1"/>
+          </a:fillRef>
+          <a:effectRef idx="1">
+            <a:schemeClr val="accent1"/>
+          </a:effectRef>
+          <a:fontRef idx="minor">
+            <a:schemeClr val="tx1"/>
+          </a:fontRef>
+        </p:style>
+      </p:cxnSp>
+      <p:cxnSp>
+        <p:nvCxnSpPr>
+          <p:cNvPr id="11" name="Straight Connector 10">
+            <a:extLst>
+              <a:ext uri="{FF2B5EF4-FFF2-40B4-BE49-F238E27FC236}">
+                <a16:creationId xmlns:a16="http://schemas.microsoft.com/office/drawing/2014/main" id="{D799A568-C6B8-0DC3-10B8-ADE0DD52EF0E}"/>
+              </a:ext>
+            </a:extLst>
+          </p:cNvPr>
+          <p:cNvCxnSpPr/>
+          <p:nvPr/>
+        </p:nvCxnSpPr>
+        <p:spPr>
+          <a:xfrm flipV="1">
+            <a:off x="-193040" y="-152400"/>
+            <a:ext cx="812800" cy="955040"/>
+          </a:xfrm>
+          <a:prstGeom prst="line">
+            <a:avLst/>
+          </a:prstGeom>
+        </p:spPr>
+        <p:style>
+          <a:lnRef idx="2">
+            <a:schemeClr val="accent1"/>
+          </a:lnRef>
+          <a:fillRef idx="0">
+            <a:schemeClr val="accent1"/>
+          </a:fillRef>
+          <a:effectRef idx="1">
+            <a:schemeClr val="accent1"/>
+          </a:effectRef>
+          <a:fontRef idx="minor">
+            <a:schemeClr val="tx1"/>
+          </a:fontRef>
+        </p:style>
+      </p:cxnSp>
+      <p:grpSp>
+        <p:nvGrpSpPr>
+          <p:cNvPr id="4" name="Group 3">
+            <a:extLst>
+              <a:ext uri="{FF2B5EF4-FFF2-40B4-BE49-F238E27FC236}">
+                <a16:creationId xmlns:a16="http://schemas.microsoft.com/office/drawing/2014/main" id="{2DE1EA7E-96C6-6C8F-F8C9-67D51EBDBC2C}"/>
+              </a:ext>
+            </a:extLst>
+          </p:cNvPr>
+          <p:cNvGrpSpPr/>
+          <p:nvPr/>
+        </p:nvGrpSpPr>
+        <p:grpSpPr>
+          <a:xfrm>
+            <a:off x="10566400" y="4683760"/>
+            <a:ext cx="2032000" cy="2336796"/>
+            <a:chOff x="10566400" y="4683760"/>
+            <a:chExt cx="2032000" cy="2336796"/>
+          </a:xfrm>
+        </p:grpSpPr>
+        <p:sp>
+          <p:nvSpPr>
+            <p:cNvPr id="6" name="Rectangle 5">
+              <a:extLst>
+                <a:ext uri="{FF2B5EF4-FFF2-40B4-BE49-F238E27FC236}">
+                  <a16:creationId xmlns:a16="http://schemas.microsoft.com/office/drawing/2014/main" id="{2D71F413-4690-B03E-ADCE-DDC24C8B6D83}"/>
+                </a:ext>
+              </a:extLst>
+            </p:cNvPr>
+            <p:cNvSpPr/>
+            <p:nvPr/>
+          </p:nvSpPr>
+          <p:spPr>
+            <a:xfrm>
+              <a:off x="11308080" y="4683760"/>
+              <a:ext cx="1290320" cy="1564640"/>
+            </a:xfrm>
+            <a:prstGeom prst="rect">
+              <a:avLst/>
+            </a:prstGeom>
+            <a:solidFill>
+              <a:srgbClr val="048D94"/>
+            </a:solidFill>
+            <a:ln>
+              <a:noFill/>
+            </a:ln>
+          </p:spPr>
+          <p:style>
+            <a:lnRef idx="2">
+              <a:schemeClr val="accent1">
+                <a:shade val="15000"/>
+              </a:schemeClr>
+            </a:lnRef>
+            <a:fillRef idx="1">
+              <a:schemeClr val="accent1"/>
+            </a:fillRef>
+            <a:effectRef idx="0">
+              <a:schemeClr val="accent1"/>
+            </a:effectRef>
+            <a:fontRef idx="minor">
+              <a:schemeClr val="lt1"/>
+            </a:fontRef>
+          </p:style>
+          <p:txBody>
+            <a:bodyPr rtlCol="0" anchor="ctr"/>
+            <a:lstStyle/>
+            <a:p>
+              <a:pPr algn="ctr"/>
+              <a:endParaRPr lang="en-GB"/>
+            </a:p>
+          </p:txBody>
+        </p:sp>
+        <p:sp>
+          <p:nvSpPr>
+            <p:cNvPr id="8" name="Rectangle 7">
+              <a:extLst>
+                <a:ext uri="{FF2B5EF4-FFF2-40B4-BE49-F238E27FC236}">
+                  <a16:creationId xmlns:a16="http://schemas.microsoft.com/office/drawing/2014/main" id="{53461155-A503-9FDC-A2AE-94B9C79ED656}"/>
+                </a:ext>
+              </a:extLst>
+            </p:cNvPr>
+            <p:cNvSpPr/>
+            <p:nvPr/>
+          </p:nvSpPr>
+          <p:spPr>
+            <a:xfrm>
+              <a:off x="10566400" y="5537200"/>
+              <a:ext cx="1849120" cy="1483356"/>
+            </a:xfrm>
+            <a:prstGeom prst="rect">
+              <a:avLst/>
+            </a:prstGeom>
+            <a:solidFill>
+              <a:srgbClr val="156082"/>
+            </a:solidFill>
+            <a:ln>
+              <a:solidFill>
+                <a:schemeClr val="accent1"/>
+              </a:solidFill>
+            </a:ln>
+          </p:spPr>
+          <p:style>
+            <a:lnRef idx="2">
+              <a:schemeClr val="accent1">
+                <a:shade val="15000"/>
+              </a:schemeClr>
+            </a:lnRef>
+            <a:fillRef idx="1">
+              <a:schemeClr val="accent1"/>
+            </a:fillRef>
+            <a:effectRef idx="0">
+              <a:schemeClr val="accent1"/>
+            </a:effectRef>
+            <a:fontRef idx="minor">
+              <a:schemeClr val="lt1"/>
+            </a:fontRef>
+          </p:style>
+          <p:txBody>
+            <a:bodyPr rtlCol="0" anchor="ctr"/>
+            <a:lstStyle/>
+            <a:p>
+              <a:pPr algn="ctr"/>
+              <a:endParaRPr lang="en-GB"/>
+            </a:p>
+          </p:txBody>
+        </p:sp>
+        <p:sp>
+          <p:nvSpPr>
+            <p:cNvPr id="10" name="Rectangle 9">
+              <a:extLst>
+                <a:ext uri="{FF2B5EF4-FFF2-40B4-BE49-F238E27FC236}">
+                  <a16:creationId xmlns:a16="http://schemas.microsoft.com/office/drawing/2014/main" id="{5EFF85A9-8AAF-7B25-9DED-853DB22E5005}"/>
+                </a:ext>
+              </a:extLst>
+            </p:cNvPr>
+            <p:cNvSpPr/>
+            <p:nvPr/>
+          </p:nvSpPr>
+          <p:spPr>
+            <a:xfrm>
+              <a:off x="11074400" y="5313680"/>
+              <a:ext cx="548640" cy="711200"/>
+            </a:xfrm>
+            <a:prstGeom prst="rect">
+              <a:avLst/>
+            </a:prstGeom>
+            <a:solidFill>
+              <a:srgbClr val="12CFEE"/>
+            </a:solidFill>
+            <a:ln>
+              <a:noFill/>
+            </a:ln>
+          </p:spPr>
+          <p:style>
+            <a:lnRef idx="2">
+              <a:schemeClr val="accent1">
+                <a:shade val="15000"/>
+              </a:schemeClr>
+            </a:lnRef>
+            <a:fillRef idx="1">
+              <a:schemeClr val="accent1"/>
+            </a:fillRef>
+            <a:effectRef idx="0">
+              <a:schemeClr val="accent1"/>
+            </a:effectRef>
+            <a:fontRef idx="minor">
+              <a:schemeClr val="lt1"/>
+            </a:fontRef>
+          </p:style>
+          <p:txBody>
+            <a:bodyPr rtlCol="0" anchor="ctr"/>
+            <a:lstStyle/>
+            <a:p>
+              <a:pPr algn="ctr"/>
+              <a:endParaRPr lang="en-GB"/>
+            </a:p>
+          </p:txBody>
+        </p:sp>
+      </p:grpSp>
+      <p:pic>
+        <p:nvPicPr>
+          <p:cNvPr id="12" name="Picture 11" descr="A blue and black network&#10;&#10;Description automatically generated">
+            <a:extLst>
+              <a:ext uri="{FF2B5EF4-FFF2-40B4-BE49-F238E27FC236}">
+                <a16:creationId xmlns:a16="http://schemas.microsoft.com/office/drawing/2014/main" id="{0E4805A9-A7C9-F96A-6946-25DCF8A7731C}"/>
+              </a:ext>
+            </a:extLst>
+          </p:cNvPr>
+          <p:cNvPicPr>
+            <a:picLocks noChangeAspect="1"/>
+          </p:cNvPicPr>
+          <p:nvPr/>
+        </p:nvPicPr>
+        <p:blipFill>
+          <a:blip r:embed="rId2">
+            <a:extLst>
+              <a:ext uri="{28A0092B-C50C-407E-A947-70E740481C1C}">
+                <a14:useLocalDpi xmlns:a14="http://schemas.microsoft.com/office/drawing/2010/main" val="0"/>
+              </a:ext>
+            </a:extLst>
+          </a:blip>
+          <a:stretch>
+            <a:fillRect/>
+          </a:stretch>
+        </p:blipFill>
+        <p:spPr>
+          <a:xfrm>
+            <a:off x="107267" y="5213760"/>
+            <a:ext cx="1315134" cy="1473477"/>
+          </a:xfrm>
+          <a:prstGeom prst="rect">
+            <a:avLst/>
+          </a:prstGeom>
+        </p:spPr>
+      </p:pic>
+      <p:pic>
+        <p:nvPicPr>
+          <p:cNvPr id="14" name="Picture 13" descr="A table with numbers and a number of running numbers&#10;&#10;Description automatically generated with medium confidence">
+            <a:extLst>
+              <a:ext uri="{FF2B5EF4-FFF2-40B4-BE49-F238E27FC236}">
+                <a16:creationId xmlns:a16="http://schemas.microsoft.com/office/drawing/2014/main" id="{2258544F-E404-B667-CA03-DE044F338B4A}"/>
+              </a:ext>
+            </a:extLst>
+          </p:cNvPr>
+          <p:cNvPicPr>
+            <a:picLocks noChangeAspect="1"/>
+          </p:cNvPicPr>
+          <p:nvPr/>
+        </p:nvPicPr>
+        <p:blipFill>
+          <a:blip r:embed="rId3">
+            <a:extLst>
+              <a:ext uri="{28A0092B-C50C-407E-A947-70E740481C1C}">
+                <a14:useLocalDpi xmlns:a14="http://schemas.microsoft.com/office/drawing/2010/main" val="0"/>
+              </a:ext>
+            </a:extLst>
+          </a:blip>
+          <a:stretch>
+            <a:fillRect/>
+          </a:stretch>
+        </p:blipFill>
+        <p:spPr>
+          <a:xfrm>
+            <a:off x="1382227" y="2864780"/>
+            <a:ext cx="9427546" cy="2395023"/>
+          </a:xfrm>
+          <a:prstGeom prst="rect">
+            <a:avLst/>
+          </a:prstGeom>
+        </p:spPr>
+      </p:pic>
+    </p:spTree>
+    <p:extLst>
+      <p:ext uri="{BB962C8B-B14F-4D97-AF65-F5344CB8AC3E}">
+        <p14:creationId xmlns:p14="http://schemas.microsoft.com/office/powerpoint/2010/main" val="1467125863"/>
       </p:ext>
     </p:extLst>
   </p:cSld>
